--- a/ЕМЗ Проект.pptx
+++ b/ЕМЗ Проект.pptx
@@ -6,14 +6,16 @@
   </p:sldMasterIdLst>
   <p:sldIdLst>
     <p:sldId id="256" r:id="rId2"/>
-    <p:sldId id="257" r:id="rId3"/>
-    <p:sldId id="258" r:id="rId4"/>
-    <p:sldId id="259" r:id="rId5"/>
-    <p:sldId id="260" r:id="rId6"/>
-    <p:sldId id="261" r:id="rId7"/>
-    <p:sldId id="262" r:id="rId8"/>
-    <p:sldId id="263" r:id="rId9"/>
-    <p:sldId id="264" r:id="rId10"/>
+    <p:sldId id="265" r:id="rId3"/>
+    <p:sldId id="266" r:id="rId4"/>
+    <p:sldId id="257" r:id="rId5"/>
+    <p:sldId id="258" r:id="rId6"/>
+    <p:sldId id="259" r:id="rId7"/>
+    <p:sldId id="260" r:id="rId8"/>
+    <p:sldId id="261" r:id="rId9"/>
+    <p:sldId id="262" r:id="rId10"/>
+    <p:sldId id="263" r:id="rId11"/>
+    <p:sldId id="264" r:id="rId12"/>
   </p:sldIdLst>
   <p:sldSz cx="12192000" cy="6858000"/>
   <p:notesSz cx="6858000" cy="9144000"/>
@@ -3352,19 +3354,19 @@
         </p:nvSpPr>
         <p:spPr>
           <a:xfrm>
-            <a:off x="356118" y="1234329"/>
-            <a:ext cx="11479763" cy="2387600"/>
+            <a:off x="0" y="1234329"/>
+            <a:ext cx="12192000" cy="2387600"/>
           </a:xfrm>
         </p:spPr>
         <p:txBody>
           <a:bodyPr>
-            <a:normAutofit fontScale="90000"/>
+            <a:normAutofit/>
           </a:bodyPr>
           <a:lstStyle/>
           <a:p>
             <a:r>
               <a:rPr lang="bg-BG" dirty="0"/>
-              <a:t>Проектиране на софтуер за управление на огледало на автомобил</a:t>
+              <a:t>Проектиране огледало на автомобил</a:t>
             </a:r>
             <a:endParaRPr lang="en-US" dirty="0"/>
           </a:p>
@@ -3388,13 +3390,13 @@
         </p:nvSpPr>
         <p:spPr>
           <a:xfrm>
-            <a:off x="2680996" y="4907756"/>
-            <a:ext cx="9144000" cy="1655762"/>
+            <a:off x="2691881" y="4767796"/>
+            <a:ext cx="9144000" cy="1950244"/>
           </a:xfrm>
         </p:spPr>
         <p:txBody>
           <a:bodyPr>
-            <a:normAutofit lnSpcReduction="10000"/>
+            <a:normAutofit fontScale="92500" lnSpcReduction="10000"/>
           </a:bodyPr>
           <a:lstStyle/>
           <a:p>
@@ -3422,7 +3424,22 @@
             <a:pPr algn="r"/>
             <a:r>
               <a:rPr lang="bg-BG" dirty="0"/>
-              <a:t>Изготвил: Александър Пагу 941222018</a:t>
+              <a:t>Изготвили: Александър Пагу</a:t>
+            </a:r>
+            <a:r>
+              <a:rPr lang="en-US" dirty="0"/>
+              <a:t> </a:t>
+            </a:r>
+            <a:r>
+              <a:rPr lang="bg-BG" dirty="0"/>
+              <a:t> 941222018</a:t>
+            </a:r>
+          </a:p>
+          <a:p>
+            <a:pPr algn="r"/>
+            <a:r>
+              <a:rPr lang="bg-BG" dirty="0"/>
+              <a:t>   Никола Станев 941222017</a:t>
             </a:r>
             <a:endParaRPr lang="en-US" dirty="0"/>
           </a:p>
@@ -3432,6 +3449,204 @@
     <p:extLst>
       <p:ext uri="{BB962C8B-B14F-4D97-AF65-F5344CB8AC3E}">
         <p14:creationId xmlns:p14="http://schemas.microsoft.com/office/powerpoint/2010/main" val="641344904"/>
+      </p:ext>
+    </p:extLst>
+  </p:cSld>
+  <p:clrMapOvr>
+    <a:masterClrMapping/>
+  </p:clrMapOvr>
+</p:sld>
+</file>
+
+<file path=ppt/slides/slide10.xml><?xml version="1.0" encoding="utf-8"?>
+<p:sld xmlns:a="http://schemas.openxmlformats.org/drawingml/2006/main" xmlns:r="http://schemas.openxmlformats.org/officeDocument/2006/relationships" xmlns:p="http://schemas.openxmlformats.org/presentationml/2006/main">
+  <p:cSld>
+    <p:spTree>
+      <p:nvGrpSpPr>
+        <p:cNvPr id="1" name=""/>
+        <p:cNvGrpSpPr/>
+        <p:nvPr/>
+      </p:nvGrpSpPr>
+      <p:grpSpPr>
+        <a:xfrm>
+          <a:off x="0" y="0"/>
+          <a:ext cx="0" cy="0"/>
+          <a:chOff x="0" y="0"/>
+          <a:chExt cx="0" cy="0"/>
+        </a:xfrm>
+      </p:grpSpPr>
+      <p:sp>
+        <p:nvSpPr>
+          <p:cNvPr id="4" name="Content Placeholder 2">
+            <a:extLst>
+              <a:ext uri="{FF2B5EF4-FFF2-40B4-BE49-F238E27FC236}">
+                <a16:creationId xmlns:a16="http://schemas.microsoft.com/office/drawing/2014/main" id="{D1DA66B4-BCA2-E142-A63C-271D7D32BD02}"/>
+              </a:ext>
+            </a:extLst>
+          </p:cNvPr>
+          <p:cNvSpPr>
+            <a:spLocks noGrp="1"/>
+          </p:cNvSpPr>
+          <p:nvPr>
+            <p:ph idx="1"/>
+          </p:nvPr>
+        </p:nvSpPr>
+        <p:spPr>
+          <a:xfrm>
+            <a:off x="297024" y="261258"/>
+            <a:ext cx="11597951" cy="5046630"/>
+          </a:xfrm>
+        </p:spPr>
+        <p:txBody>
+          <a:bodyPr>
+            <a:noAutofit/>
+          </a:bodyPr>
+          <a:lstStyle/>
+          <a:p>
+            <a:pPr marL="0" indent="0">
+              <a:spcAft>
+                <a:spcPts val="600"/>
+              </a:spcAft>
+              <a:buNone/>
+            </a:pPr>
+            <a:r>
+              <a:rPr lang="bg-BG" sz="2000" b="1" dirty="0"/>
+              <a:t>2.6. Главна функия:</a:t>
+            </a:r>
+          </a:p>
+          <a:p>
+            <a:pPr marL="0" indent="0">
+              <a:spcAft>
+                <a:spcPts val="600"/>
+              </a:spcAft>
+              <a:buNone/>
+            </a:pPr>
+            <a:r>
+              <a:rPr lang="bg-BG" sz="2000" b="1" dirty="0">
+                <a:hlinkClick r:id="rId2" action="ppaction://hlinkfile"/>
+              </a:rPr>
+              <a:t>Код огледало</a:t>
+            </a:r>
+            <a:endParaRPr lang="bg-BG" sz="2000" b="1" dirty="0"/>
+          </a:p>
+          <a:p>
+            <a:pPr marL="0" indent="0">
+              <a:spcAft>
+                <a:spcPts val="600"/>
+              </a:spcAft>
+              <a:buNone/>
+            </a:pPr>
+            <a:r>
+              <a:rPr lang="en-US" sz="4400" dirty="0">
+                <a:latin typeface="Calibri Light (Headings)"/>
+              </a:rPr>
+              <a:t>III</a:t>
+            </a:r>
+            <a:r>
+              <a:rPr lang="bg-BG" sz="4400" dirty="0">
+                <a:latin typeface="Calibri Light (Headings)"/>
+              </a:rPr>
+              <a:t>. Тест.</a:t>
+            </a:r>
+            <a:endParaRPr lang="bg-BG" sz="4400" b="1" dirty="0">
+              <a:latin typeface="Calibri Light (Headings)"/>
+            </a:endParaRPr>
+          </a:p>
+          <a:p>
+            <a:pPr marL="0" indent="0">
+              <a:spcAft>
+                <a:spcPts val="600"/>
+              </a:spcAft>
+              <a:buNone/>
+            </a:pPr>
+            <a:r>
+              <a:rPr lang="bg-BG" sz="2000" b="1" dirty="0">
+                <a:hlinkClick r:id="rId3" action="ppaction://hlinkfile"/>
+              </a:rPr>
+              <a:t>Тест на огледалото </a:t>
+            </a:r>
+            <a:endParaRPr lang="bg-BG" sz="2000" b="1" dirty="0"/>
+          </a:p>
+        </p:txBody>
+      </p:sp>
+    </p:spTree>
+    <p:extLst>
+      <p:ext uri="{BB962C8B-B14F-4D97-AF65-F5344CB8AC3E}">
+        <p14:creationId xmlns:p14="http://schemas.microsoft.com/office/powerpoint/2010/main" val="1840404931"/>
+      </p:ext>
+    </p:extLst>
+  </p:cSld>
+  <p:clrMapOvr>
+    <a:masterClrMapping/>
+  </p:clrMapOvr>
+</p:sld>
+</file>
+
+<file path=ppt/slides/slide11.xml><?xml version="1.0" encoding="utf-8"?>
+<p:sld xmlns:a="http://schemas.openxmlformats.org/drawingml/2006/main" xmlns:r="http://schemas.openxmlformats.org/officeDocument/2006/relationships" xmlns:p="http://schemas.openxmlformats.org/presentationml/2006/main">
+  <p:cSld>
+    <p:spTree>
+      <p:nvGrpSpPr>
+        <p:cNvPr id="1" name=""/>
+        <p:cNvGrpSpPr/>
+        <p:nvPr/>
+      </p:nvGrpSpPr>
+      <p:grpSpPr>
+        <a:xfrm>
+          <a:off x="0" y="0"/>
+          <a:ext cx="0" cy="0"/>
+          <a:chOff x="0" y="0"/>
+          <a:chExt cx="0" cy="0"/>
+        </a:xfrm>
+      </p:grpSpPr>
+      <p:sp>
+        <p:nvSpPr>
+          <p:cNvPr id="3" name="Content Placeholder 2">
+            <a:extLst>
+              <a:ext uri="{FF2B5EF4-FFF2-40B4-BE49-F238E27FC236}">
+                <a16:creationId xmlns:a16="http://schemas.microsoft.com/office/drawing/2014/main" id="{5E8295FC-7A84-572A-35DB-3F6B350ADC78}"/>
+              </a:ext>
+            </a:extLst>
+          </p:cNvPr>
+          <p:cNvSpPr>
+            <a:spLocks noGrp="1"/>
+          </p:cNvSpPr>
+          <p:nvPr>
+            <p:ph idx="1"/>
+          </p:nvPr>
+        </p:nvSpPr>
+        <p:spPr>
+          <a:xfrm>
+            <a:off x="838200" y="2432115"/>
+            <a:ext cx="10515600" cy="4351338"/>
+          </a:xfrm>
+        </p:spPr>
+        <p:txBody>
+          <a:bodyPr>
+            <a:normAutofit/>
+          </a:bodyPr>
+          <a:lstStyle/>
+          <a:p>
+            <a:pPr marL="0" indent="0" algn="ctr">
+              <a:buNone/>
+            </a:pPr>
+            <a:r>
+              <a:rPr lang="bg-BG" sz="5400" dirty="0"/>
+              <a:t>Благодарим за вниманието!!!</a:t>
+            </a:r>
+          </a:p>
+          <a:p>
+            <a:pPr marL="0" indent="0" algn="ctr">
+              <a:buNone/>
+            </a:pPr>
+            <a:endParaRPr lang="en-US" sz="5400" dirty="0"/>
+          </a:p>
+        </p:txBody>
+      </p:sp>
+    </p:spTree>
+    <p:extLst>
+      <p:ext uri="{BB962C8B-B14F-4D97-AF65-F5344CB8AC3E}">
+        <p14:creationId xmlns:p14="http://schemas.microsoft.com/office/powerpoint/2010/main" val="3791485214"/>
       </p:ext>
     </p:extLst>
   </p:cSld>
@@ -3463,7 +3678,7 @@
           <p:cNvPr id="2" name="Title 1">
             <a:extLst>
               <a:ext uri="{FF2B5EF4-FFF2-40B4-BE49-F238E27FC236}">
-                <a16:creationId xmlns:a16="http://schemas.microsoft.com/office/drawing/2014/main" id="{AE62A4CE-5C8A-7CC8-835D-A6C293D94857}"/>
+                <a16:creationId xmlns:a16="http://schemas.microsoft.com/office/drawing/2014/main" id="{CAD3728D-C5DD-AD9B-A659-D6C152639432}"/>
               </a:ext>
             </a:extLst>
           </p:cNvPr>
@@ -3474,22 +3689,32 @@
             <p:ph type="title"/>
           </p:nvPr>
         </p:nvSpPr>
-        <p:spPr/>
-        <p:txBody>
-          <a:bodyPr/>
+        <p:spPr>
+          <a:xfrm>
+            <a:off x="838200" y="18255"/>
+            <a:ext cx="10515600" cy="1325563"/>
+          </a:xfrm>
+        </p:spPr>
+        <p:txBody>
+          <a:bodyPr>
+            <a:normAutofit fontScale="90000"/>
+          </a:bodyPr>
           <a:lstStyle/>
           <a:p>
             <a:r>
+              <a:rPr lang="en-US" sz="5300" b="1" dirty="0"/>
+              <a:t>I. </a:t>
+            </a:r>
+            <a:r>
+              <a:rPr lang="bg-BG" sz="5300" b="1" dirty="0"/>
+              <a:t>Хардуер.</a:t>
+            </a:r>
+            <a:br>
               <a:rPr lang="bg-BG" dirty="0"/>
-              <a:t>1. Проектиране на </a:t>
-            </a:r>
-            <a:r>
-              <a:rPr lang="en-US" dirty="0"/>
-              <a:t>IOC</a:t>
-            </a:r>
+            </a:br>
             <a:r>
               <a:rPr lang="bg-BG" dirty="0"/>
-              <a:t>.</a:t>
+              <a:t>1. Принципна схема.</a:t>
             </a:r>
             <a:endParaRPr lang="en-US" dirty="0"/>
           </a:p>
@@ -3497,10 +3722,10 @@
       </p:sp>
       <p:pic>
         <p:nvPicPr>
-          <p:cNvPr id="10" name="Content Placeholder 9">
-            <a:extLst>
-              <a:ext uri="{FF2B5EF4-FFF2-40B4-BE49-F238E27FC236}">
-                <a16:creationId xmlns:a16="http://schemas.microsoft.com/office/drawing/2014/main" id="{8CF965C3-4A8D-FF43-54B1-8E5E88AF10C9}"/>
+          <p:cNvPr id="5" name="Content Placeholder 4">
+            <a:extLst>
+              <a:ext uri="{FF2B5EF4-FFF2-40B4-BE49-F238E27FC236}">
+                <a16:creationId xmlns:a16="http://schemas.microsoft.com/office/drawing/2014/main" id="{C695F3F9-BB6C-BE35-4CFB-6F40BA92B410}"/>
               </a:ext>
             </a:extLst>
           </p:cNvPr>
@@ -3519,316 +3744,21 @@
               </a:ext>
             </a:extLst>
           </a:blip>
-          <a:srcRect l="9409" r="18405"/>
           <a:stretch>
             <a:fillRect/>
           </a:stretch>
         </p:blipFill>
         <p:spPr>
           <a:xfrm>
-            <a:off x="298579" y="1253331"/>
-            <a:ext cx="4581332" cy="5424813"/>
+            <a:off x="2185712" y="1343818"/>
+            <a:ext cx="7820575" cy="5495927"/>
           </a:xfrm>
         </p:spPr>
       </p:pic>
-      <p:sp>
-        <p:nvSpPr>
-          <p:cNvPr id="6" name="TextBox 5">
-            <a:extLst>
-              <a:ext uri="{FF2B5EF4-FFF2-40B4-BE49-F238E27FC236}">
-                <a16:creationId xmlns:a16="http://schemas.microsoft.com/office/drawing/2014/main" id="{5A3DC9FD-1B7B-38D6-FD71-126A44701241}"/>
-              </a:ext>
-            </a:extLst>
-          </p:cNvPr>
-          <p:cNvSpPr txBox="1"/>
-          <p:nvPr/>
-        </p:nvSpPr>
-        <p:spPr>
-          <a:xfrm>
-            <a:off x="5365103" y="1253331"/>
-            <a:ext cx="6624734" cy="5447645"/>
-          </a:xfrm>
-          <a:prstGeom prst="rect">
-            <a:avLst/>
-          </a:prstGeom>
-          <a:noFill/>
-        </p:spPr>
-        <p:txBody>
-          <a:bodyPr wrap="square" rtlCol="0">
-            <a:spAutoFit/>
-          </a:bodyPr>
-          <a:lstStyle/>
-          <a:p>
-            <a:r>
-              <a:rPr lang="bg-BG" sz="2200" b="1" dirty="0"/>
-              <a:t>Конфигурация на пиновете: </a:t>
-            </a:r>
-          </a:p>
-          <a:p>
-            <a:pPr marL="285750" indent="-285750">
-              <a:buFont typeface="Arial" panose="020B0604020202020204" pitchFamily="34" charset="0"/>
-              <a:buChar char="•"/>
-            </a:pPr>
-            <a:r>
-              <a:rPr lang="en-US" dirty="0"/>
-              <a:t>PB5 – Output </a:t>
-            </a:r>
-            <a:r>
-              <a:rPr lang="bg-BG" dirty="0"/>
-              <a:t>за движение нагоре</a:t>
-            </a:r>
-          </a:p>
-          <a:p>
-            <a:pPr marL="285750" indent="-285750">
-              <a:buFont typeface="Arial" panose="020B0604020202020204" pitchFamily="34" charset="0"/>
-              <a:buChar char="•"/>
-            </a:pPr>
-            <a:r>
-              <a:rPr lang="en-US" dirty="0"/>
-              <a:t>PB9 – Output </a:t>
-            </a:r>
-            <a:r>
-              <a:rPr lang="bg-BG" dirty="0"/>
-              <a:t>за движение надолу</a:t>
-            </a:r>
-          </a:p>
-          <a:p>
-            <a:pPr marL="285750" indent="-285750">
-              <a:buFont typeface="Arial" panose="020B0604020202020204" pitchFamily="34" charset="0"/>
-              <a:buChar char="•"/>
-            </a:pPr>
-            <a:r>
-              <a:rPr lang="en-US" dirty="0"/>
-              <a:t>PA6 – Output </a:t>
-            </a:r>
-            <a:r>
-              <a:rPr lang="bg-BG" dirty="0"/>
-              <a:t>за движение наляво</a:t>
-            </a:r>
-          </a:p>
-          <a:p>
-            <a:pPr marL="285750" indent="-285750">
-              <a:buFont typeface="Arial" panose="020B0604020202020204" pitchFamily="34" charset="0"/>
-              <a:buChar char="•"/>
-            </a:pPr>
-            <a:r>
-              <a:rPr lang="en-US" dirty="0"/>
-              <a:t>PA7 – Output </a:t>
-            </a:r>
-            <a:r>
-              <a:rPr lang="bg-BG" dirty="0"/>
-              <a:t>за движение надясно</a:t>
-            </a:r>
-          </a:p>
-          <a:p>
-            <a:pPr marL="285750" indent="-285750">
-              <a:buFont typeface="Arial" panose="020B0604020202020204" pitchFamily="34" charset="0"/>
-              <a:buChar char="•"/>
-            </a:pPr>
-            <a:r>
-              <a:rPr lang="en-US" dirty="0"/>
-              <a:t>PB7 – Output </a:t>
-            </a:r>
-            <a:r>
-              <a:rPr lang="bg-BG" dirty="0"/>
-              <a:t>към мигач</a:t>
-            </a:r>
-          </a:p>
-          <a:p>
-            <a:pPr marL="285750" indent="-285750">
-              <a:buFont typeface="Arial" panose="020B0604020202020204" pitchFamily="34" charset="0"/>
-              <a:buChar char="•"/>
-            </a:pPr>
-            <a:r>
-              <a:rPr lang="en-US" dirty="0"/>
-              <a:t>PC15 – Output </a:t>
-            </a:r>
-            <a:r>
-              <a:rPr lang="bg-BG" dirty="0"/>
-              <a:t>за разрешаване на </a:t>
-            </a:r>
-            <a:r>
-              <a:rPr lang="en-US" dirty="0"/>
-              <a:t>SEL0 </a:t>
-            </a:r>
-            <a:r>
-              <a:rPr lang="bg-BG" dirty="0"/>
-              <a:t>и </a:t>
-            </a:r>
-            <a:r>
-              <a:rPr lang="en-US" dirty="0"/>
-              <a:t>PWM</a:t>
-            </a:r>
-            <a:r>
-              <a:rPr lang="bg-BG" dirty="0"/>
-              <a:t> на драйвера управляващ мотора за вертикално движение на стъклото</a:t>
-            </a:r>
-          </a:p>
-          <a:p>
-            <a:pPr marL="285750" indent="-285750">
-              <a:buFont typeface="Arial" panose="020B0604020202020204" pitchFamily="34" charset="0"/>
-              <a:buChar char="•"/>
-            </a:pPr>
-            <a:r>
-              <a:rPr lang="en-US" dirty="0"/>
-              <a:t>PC1</a:t>
-            </a:r>
-            <a:r>
-              <a:rPr lang="bg-BG" dirty="0"/>
-              <a:t>4</a:t>
-            </a:r>
-            <a:r>
-              <a:rPr lang="en-US" dirty="0"/>
-              <a:t> – Output </a:t>
-            </a:r>
-            <a:r>
-              <a:rPr lang="bg-BG" dirty="0"/>
-              <a:t>за разрешаване на </a:t>
-            </a:r>
-            <a:r>
-              <a:rPr lang="en-US" dirty="0"/>
-              <a:t>SEL0 </a:t>
-            </a:r>
-            <a:r>
-              <a:rPr lang="bg-BG" dirty="0"/>
-              <a:t>и </a:t>
-            </a:r>
-            <a:r>
-              <a:rPr lang="en-US" dirty="0"/>
-              <a:t>PWM</a:t>
-            </a:r>
-            <a:r>
-              <a:rPr lang="bg-BG" dirty="0"/>
-              <a:t> на драйвера управляващ мотора за хоризонтално движение на стъклото</a:t>
-            </a:r>
-          </a:p>
-          <a:p>
-            <a:pPr marL="285750" indent="-285750">
-              <a:buFont typeface="Arial" panose="020B0604020202020204" pitchFamily="34" charset="0"/>
-              <a:buChar char="•"/>
-            </a:pPr>
-            <a:endParaRPr lang="bg-BG" dirty="0"/>
-          </a:p>
-          <a:p>
-            <a:pPr marL="285750" indent="-285750">
-              <a:buFont typeface="Arial" panose="020B0604020202020204" pitchFamily="34" charset="0"/>
-              <a:buChar char="•"/>
-            </a:pPr>
-            <a:r>
-              <a:rPr lang="en-US" dirty="0"/>
-              <a:t>PC13 – Input </a:t>
-            </a:r>
-            <a:r>
-              <a:rPr lang="bg-BG" dirty="0"/>
-              <a:t>от джойстика за активиране на мигача</a:t>
-            </a:r>
-          </a:p>
-          <a:p>
-            <a:pPr marL="285750" indent="-285750">
-              <a:buFont typeface="Arial" panose="020B0604020202020204" pitchFamily="34" charset="0"/>
-              <a:buChar char="•"/>
-            </a:pPr>
-            <a:r>
-              <a:rPr lang="en-US" dirty="0"/>
-              <a:t>PB10 </a:t>
-            </a:r>
-            <a:r>
-              <a:rPr lang="bg-BG" dirty="0"/>
-              <a:t>– </a:t>
-            </a:r>
-            <a:r>
-              <a:rPr lang="en-US" dirty="0"/>
-              <a:t>Input </a:t>
-            </a:r>
-            <a:r>
-              <a:rPr lang="bg-BG" dirty="0"/>
-              <a:t>от джойстика за движение нагоре</a:t>
-            </a:r>
-          </a:p>
-          <a:p>
-            <a:pPr marL="285750" indent="-285750">
-              <a:buFont typeface="Arial" panose="020B0604020202020204" pitchFamily="34" charset="0"/>
-              <a:buChar char="•"/>
-            </a:pPr>
-            <a:r>
-              <a:rPr lang="en-US" dirty="0"/>
-              <a:t>PC5 – Input </a:t>
-            </a:r>
-            <a:r>
-              <a:rPr lang="bg-BG" dirty="0"/>
-              <a:t>от джойстика за движение надолу</a:t>
-            </a:r>
-          </a:p>
-          <a:p>
-            <a:pPr marL="285750" indent="-285750">
-              <a:buFont typeface="Arial" panose="020B0604020202020204" pitchFamily="34" charset="0"/>
-              <a:buChar char="•"/>
-            </a:pPr>
-            <a:r>
-              <a:rPr lang="en-US" dirty="0"/>
-              <a:t>PC4 – Input </a:t>
-            </a:r>
-            <a:r>
-              <a:rPr lang="bg-BG" dirty="0"/>
-              <a:t>от джойстика за движение наляво </a:t>
-            </a:r>
-          </a:p>
-          <a:p>
-            <a:pPr marL="285750" indent="-285750">
-              <a:buFont typeface="Arial" panose="020B0604020202020204" pitchFamily="34" charset="0"/>
-              <a:buChar char="•"/>
-            </a:pPr>
-            <a:r>
-              <a:rPr lang="en-US" dirty="0"/>
-              <a:t>PB2 – Input </a:t>
-            </a:r>
-            <a:r>
-              <a:rPr lang="bg-BG" dirty="0"/>
-              <a:t>от джойстика за движение надясно </a:t>
-            </a:r>
-          </a:p>
-          <a:p>
-            <a:pPr marL="285750" indent="-285750">
-              <a:buFont typeface="Arial" panose="020B0604020202020204" pitchFamily="34" charset="0"/>
-              <a:buChar char="•"/>
-            </a:pPr>
-            <a:endParaRPr lang="bg-BG" dirty="0"/>
-          </a:p>
-          <a:p>
-            <a:pPr marL="285750" indent="-285750">
-              <a:buFont typeface="Arial" panose="020B0604020202020204" pitchFamily="34" charset="0"/>
-              <a:buChar char="•"/>
-            </a:pPr>
-            <a:r>
-              <a:rPr lang="en-US" dirty="0"/>
-              <a:t>PC0 – </a:t>
-            </a:r>
-            <a:r>
-              <a:rPr lang="bg-BG" dirty="0"/>
-              <a:t>АЦП за определяне на хоризонталната позиция</a:t>
-            </a:r>
-          </a:p>
-          <a:p>
-            <a:pPr marL="285750" indent="-285750">
-              <a:buFont typeface="Arial" panose="020B0604020202020204" pitchFamily="34" charset="0"/>
-              <a:buChar char="•"/>
-            </a:pPr>
-            <a:r>
-              <a:rPr lang="en-US" dirty="0"/>
-              <a:t>PC1 – </a:t>
-            </a:r>
-            <a:r>
-              <a:rPr lang="bg-BG" dirty="0"/>
-              <a:t>АЦП за определяне на вертикалната позиция</a:t>
-            </a:r>
-            <a:endParaRPr lang="en-US" dirty="0"/>
-          </a:p>
-        </p:txBody>
-      </p:sp>
     </p:spTree>
     <p:extLst>
       <p:ext uri="{BB962C8B-B14F-4D97-AF65-F5344CB8AC3E}">
-        <p14:creationId xmlns:p14="http://schemas.microsoft.com/office/powerpoint/2010/main" val="4258670173"/>
+        <p14:creationId xmlns:p14="http://schemas.microsoft.com/office/powerpoint/2010/main" val="2171756956"/>
       </p:ext>
     </p:extLst>
   </p:cSld>
@@ -3860,7 +3790,7 @@
           <p:cNvPr id="2" name="Title 1">
             <a:extLst>
               <a:ext uri="{FF2B5EF4-FFF2-40B4-BE49-F238E27FC236}">
-                <a16:creationId xmlns:a16="http://schemas.microsoft.com/office/drawing/2014/main" id="{709A524C-3D9D-29F0-0B1A-BE897A52BF1D}"/>
+                <a16:creationId xmlns:a16="http://schemas.microsoft.com/office/drawing/2014/main" id="{D774CE20-BB4D-8151-340A-2D64B144D8F1}"/>
               </a:ext>
             </a:extLst>
           </p:cNvPr>
@@ -3873,571 +3803,436 @@
         </p:nvSpPr>
         <p:spPr/>
         <p:txBody>
-          <a:bodyPr/>
+          <a:bodyPr>
+            <a:normAutofit/>
+          </a:bodyPr>
           <a:lstStyle/>
           <a:p>
             <a:r>
-              <a:rPr lang="bg-BG" dirty="0"/>
-              <a:t>2. Код.</a:t>
-            </a:r>
-            <a:endParaRPr lang="en-US" dirty="0"/>
-          </a:p>
-        </p:txBody>
-      </p:sp>
-      <p:sp>
-        <p:nvSpPr>
-          <p:cNvPr id="3" name="Content Placeholder 2">
-            <a:extLst>
-              <a:ext uri="{FF2B5EF4-FFF2-40B4-BE49-F238E27FC236}">
-                <a16:creationId xmlns:a16="http://schemas.microsoft.com/office/drawing/2014/main" id="{419C8B19-DAAA-ECB2-CAA5-30DC7A0A1678}"/>
-              </a:ext>
-            </a:extLst>
-          </p:cNvPr>
-          <p:cNvSpPr>
-            <a:spLocks noGrp="1"/>
-          </p:cNvSpPr>
+              <a:rPr lang="bg-BG" sz="4000" dirty="0"/>
+              <a:t>2. </a:t>
+            </a:r>
+            <a:r>
+              <a:rPr lang="en-US" sz="4000" dirty="0"/>
+              <a:t>Bill of Materials</a:t>
+            </a:r>
+          </a:p>
+        </p:txBody>
+      </p:sp>
+      <p:pic>
+        <p:nvPicPr>
+          <p:cNvPr id="4" name="Content Placeholder 3" descr="A screenshot of a computer&#10;&#10;AI-generated content may be incorrect.">
+            <a:extLst>
+              <a:ext uri="{FF2B5EF4-FFF2-40B4-BE49-F238E27FC236}">
+                <a16:creationId xmlns:a16="http://schemas.microsoft.com/office/drawing/2014/main" id="{0C36C5B1-471E-16EB-8C3D-C9996E59B050}"/>
+              </a:ext>
+            </a:extLst>
+          </p:cNvPr>
+          <p:cNvPicPr>
+            <a:picLocks noGrp="1" noChangeAspect="1"/>
+          </p:cNvPicPr>
           <p:nvPr>
             <p:ph idx="1"/>
           </p:nvPr>
-        </p:nvSpPr>
+        </p:nvPicPr>
+        <p:blipFill>
+          <a:blip r:embed="rId2" cstate="print">
+            <a:extLst>
+              <a:ext uri="{28A0092B-C50C-407E-A947-70E740481C1C}">
+                <a14:useLocalDpi xmlns:a14="http://schemas.microsoft.com/office/drawing/2010/main" val="0"/>
+              </a:ext>
+            </a:extLst>
+          </a:blip>
+          <a:stretch>
+            <a:fillRect/>
+          </a:stretch>
+        </p:blipFill>
         <p:spPr>
           <a:xfrm>
-            <a:off x="297024" y="1446245"/>
-            <a:ext cx="11597951" cy="5046630"/>
+            <a:off x="472494" y="1390262"/>
+            <a:ext cx="11247011" cy="1679199"/>
           </a:xfrm>
+          <a:prstGeom prst="rect">
+            <a:avLst/>
+          </a:prstGeom>
         </p:spPr>
-        <p:txBody>
-          <a:bodyPr>
-            <a:normAutofit fontScale="55000" lnSpcReduction="20000"/>
+      </p:pic>
+      <p:sp>
+        <p:nvSpPr>
+          <p:cNvPr id="5" name="Title 1">
+            <a:extLst>
+              <a:ext uri="{FF2B5EF4-FFF2-40B4-BE49-F238E27FC236}">
+                <a16:creationId xmlns:a16="http://schemas.microsoft.com/office/drawing/2014/main" id="{6C251C68-3018-945A-0D80-A9D7DE6752C5}"/>
+              </a:ext>
+            </a:extLst>
+          </p:cNvPr>
+          <p:cNvSpPr txBox="1">
+            <a:spLocks/>
+          </p:cNvSpPr>
+          <p:nvPr/>
+        </p:nvSpPr>
+        <p:spPr>
+          <a:xfrm>
+            <a:off x="838200" y="2769035"/>
+            <a:ext cx="10515600" cy="1325563"/>
+          </a:xfrm>
+          <a:prstGeom prst="rect">
+            <a:avLst/>
+          </a:prstGeom>
+        </p:spPr>
+        <p:txBody>
+          <a:bodyPr vert="horz" lIns="91440" tIns="45720" rIns="91440" bIns="45720" rtlCol="0" anchor="ctr">
+            <a:normAutofit/>
           </a:bodyPr>
-          <a:lstStyle/>
-          <a:p>
-            <a:pPr marL="0" indent="0">
-              <a:spcAft>
-                <a:spcPts val="600"/>
-              </a:spcAft>
-              <a:buNone/>
-            </a:pPr>
-            <a:r>
-              <a:rPr lang="bg-BG" sz="3600" b="1" dirty="0"/>
-              <a:t>2.1. Дефиниции:</a:t>
-            </a:r>
-            <a:endParaRPr lang="bg-BG" sz="2700" b="1" dirty="0"/>
-          </a:p>
-          <a:p>
-            <a:pPr marL="0" indent="0">
-              <a:buNone/>
-            </a:pPr>
-            <a:r>
-              <a:rPr lang="en-US" dirty="0">
+          <a:lstStyle>
+            <a:lvl1pPr algn="l" defTabSz="914400" rtl="0" eaLnBrk="1" latinLnBrk="0" hangingPunct="1">
+              <a:lnSpc>
+                <a:spcPct val="90000"/>
+              </a:lnSpc>
+              <a:spcBef>
+                <a:spcPct val="0"/>
+              </a:spcBef>
+              <a:buNone/>
+              <a:defRPr sz="4400" kern="1200">
                 <a:solidFill>
-                  <a:srgbClr val="219D27"/>
+                  <a:schemeClr val="tx1"/>
                 </a:solidFill>
-              </a:rPr>
-              <a:t>/* USER CODE BEGIN Includes */</a:t>
-            </a:r>
-          </a:p>
-          <a:p>
-            <a:pPr marL="0" indent="0">
-              <a:buNone/>
-            </a:pPr>
-            <a:r>
-              <a:rPr lang="en-US" dirty="0">
-                <a:solidFill>
-                  <a:srgbClr val="B831CF"/>
-                </a:solidFill>
-              </a:rPr>
-              <a:t>#define </a:t>
-            </a:r>
-            <a:r>
-              <a:rPr lang="en-US" dirty="0"/>
-              <a:t>VREF_ADC </a:t>
-            </a:r>
-            <a:r>
-              <a:rPr lang="en-US" dirty="0">
-                <a:solidFill>
-                  <a:srgbClr val="0000FF"/>
-                </a:solidFill>
-              </a:rPr>
-              <a:t>3300</a:t>
-            </a:r>
-            <a:r>
-              <a:rPr lang="bg-BG" dirty="0"/>
-              <a:t> </a:t>
-            </a:r>
-            <a:r>
-              <a:rPr lang="bg-BG" dirty="0">
-                <a:solidFill>
-                  <a:srgbClr val="219D27"/>
-                </a:solidFill>
-              </a:rPr>
-              <a:t>//Дефинираме референтно напрежение</a:t>
-            </a:r>
-            <a:endParaRPr lang="en-US" dirty="0">
-              <a:solidFill>
-                <a:srgbClr val="219D27"/>
-              </a:solidFill>
-            </a:endParaRPr>
-          </a:p>
-          <a:p>
-            <a:pPr marL="0" indent="0">
-              <a:buNone/>
-            </a:pPr>
-            <a:r>
-              <a:rPr lang="en-US" dirty="0">
-                <a:solidFill>
-                  <a:srgbClr val="B831CF"/>
-                </a:solidFill>
-              </a:rPr>
-              <a:t>#define </a:t>
-            </a:r>
-            <a:r>
-              <a:rPr lang="en-US" dirty="0"/>
-              <a:t>RefrencePositionLeftRight </a:t>
-            </a:r>
-            <a:r>
-              <a:rPr lang="en-US" dirty="0">
-                <a:solidFill>
-                  <a:srgbClr val="0000FF"/>
-                </a:solidFill>
-              </a:rPr>
-              <a:t>2025</a:t>
-            </a:r>
-            <a:r>
-              <a:rPr lang="bg-BG" dirty="0"/>
-              <a:t> </a:t>
-            </a:r>
-            <a:r>
-              <a:rPr lang="bg-BG" dirty="0">
-                <a:solidFill>
-                  <a:srgbClr val="219D27"/>
-                </a:solidFill>
-              </a:rPr>
-              <a:t>//Дефиниране на хоризонтална централна позиция</a:t>
-            </a:r>
-            <a:endParaRPr lang="en-US" dirty="0">
-              <a:solidFill>
-                <a:srgbClr val="219D27"/>
-              </a:solidFill>
-            </a:endParaRPr>
-          </a:p>
-          <a:p>
-            <a:pPr marL="0" indent="0">
-              <a:buNone/>
-            </a:pPr>
-            <a:r>
-              <a:rPr lang="en-US" dirty="0">
-                <a:solidFill>
-                  <a:srgbClr val="B831CF"/>
-                </a:solidFill>
-              </a:rPr>
-              <a:t>#define </a:t>
-            </a:r>
-            <a:r>
-              <a:rPr lang="en-US" dirty="0"/>
-              <a:t>RefrencePositionUpDown </a:t>
-            </a:r>
-            <a:r>
-              <a:rPr lang="en-US" dirty="0">
-                <a:solidFill>
-                  <a:srgbClr val="0000FF"/>
-                </a:solidFill>
-              </a:rPr>
-              <a:t>2100</a:t>
-            </a:r>
-            <a:r>
-              <a:rPr lang="bg-BG" dirty="0">
-                <a:solidFill>
-                  <a:srgbClr val="00B050"/>
-                </a:solidFill>
-              </a:rPr>
-              <a:t> </a:t>
-            </a:r>
-            <a:r>
-              <a:rPr lang="bg-BG" dirty="0">
-                <a:solidFill>
-                  <a:srgbClr val="219D27"/>
-                </a:solidFill>
-              </a:rPr>
-              <a:t>//Дефиниране на вертикална централна позиция</a:t>
-            </a:r>
-            <a:endParaRPr lang="en-US" dirty="0">
-              <a:solidFill>
-                <a:srgbClr val="219D27"/>
-              </a:solidFill>
-            </a:endParaRPr>
-          </a:p>
-          <a:p>
-            <a:pPr marL="0" indent="0">
-              <a:buNone/>
-            </a:pPr>
-            <a:r>
-              <a:rPr lang="en-US" dirty="0">
-                <a:solidFill>
-                  <a:srgbClr val="B831CF"/>
-                </a:solidFill>
-              </a:rPr>
-              <a:t>#define </a:t>
-            </a:r>
-            <a:r>
-              <a:rPr lang="en-US" dirty="0"/>
-              <a:t>Hys </a:t>
-            </a:r>
-            <a:r>
-              <a:rPr lang="en-US" dirty="0">
-                <a:solidFill>
-                  <a:srgbClr val="0000FF"/>
-                </a:solidFill>
-              </a:rPr>
-              <a:t>10</a:t>
-            </a:r>
-            <a:r>
-              <a:rPr lang="bg-BG" dirty="0"/>
-              <a:t> </a:t>
-            </a:r>
-            <a:r>
-              <a:rPr lang="bg-BG" dirty="0">
-                <a:solidFill>
-                  <a:srgbClr val="219D27"/>
-                </a:solidFill>
-              </a:rPr>
-              <a:t>//Дефиниране на хистерезис</a:t>
-            </a:r>
-            <a:endParaRPr lang="en-US" dirty="0">
-              <a:solidFill>
-                <a:srgbClr val="219D27"/>
-              </a:solidFill>
-            </a:endParaRPr>
-          </a:p>
-          <a:p>
-            <a:pPr marL="0" indent="0">
-              <a:buNone/>
-            </a:pPr>
-            <a:r>
-              <a:rPr lang="en-US" dirty="0">
-                <a:solidFill>
-                  <a:srgbClr val="B831CF"/>
-                </a:solidFill>
-              </a:rPr>
-              <a:t>#define </a:t>
-            </a:r>
-            <a:r>
-              <a:rPr lang="en-US" dirty="0"/>
-              <a:t>On GPIO_PIN_RESET</a:t>
-            </a:r>
-            <a:r>
-              <a:rPr lang="bg-BG" dirty="0"/>
-              <a:t> </a:t>
-            </a:r>
-            <a:r>
-              <a:rPr lang="bg-BG" dirty="0">
-                <a:solidFill>
-                  <a:srgbClr val="219D27"/>
-                </a:solidFill>
-              </a:rPr>
-              <a:t>//Дефиниция за улеснение</a:t>
-            </a:r>
-            <a:endParaRPr lang="en-US" dirty="0">
-              <a:solidFill>
-                <a:srgbClr val="219D27"/>
-              </a:solidFill>
-            </a:endParaRPr>
-          </a:p>
-          <a:p>
-            <a:pPr marL="0" indent="0">
-              <a:buNone/>
-            </a:pPr>
-            <a:r>
-              <a:rPr lang="en-US" dirty="0">
-                <a:solidFill>
-                  <a:srgbClr val="B831CF"/>
-                </a:solidFill>
-              </a:rPr>
-              <a:t>#define </a:t>
-            </a:r>
-            <a:r>
-              <a:rPr lang="en-US" dirty="0"/>
-              <a:t>Off GPIO_PIN_SET</a:t>
-            </a:r>
-            <a:r>
-              <a:rPr lang="bg-BG" dirty="0"/>
-              <a:t> </a:t>
-            </a:r>
-            <a:r>
-              <a:rPr lang="bg-BG" dirty="0">
-                <a:solidFill>
-                  <a:srgbClr val="219D27"/>
-                </a:solidFill>
-              </a:rPr>
-              <a:t>//Дефиниция за улеснение</a:t>
-            </a:r>
-            <a:endParaRPr lang="en-US" dirty="0">
-              <a:solidFill>
-                <a:srgbClr val="219D27"/>
-              </a:solidFill>
-            </a:endParaRPr>
-          </a:p>
-          <a:p>
-            <a:pPr marL="0" indent="0">
-              <a:buNone/>
-            </a:pPr>
-            <a:r>
-              <a:rPr lang="en-US" dirty="0">
-                <a:solidFill>
-                  <a:srgbClr val="B831CF"/>
-                </a:solidFill>
-              </a:rPr>
-              <a:t>#define </a:t>
-            </a:r>
-            <a:r>
-              <a:rPr lang="en-US" dirty="0"/>
-              <a:t>Button_Click() HAL_GPIO_ReadPin(GPIOC, GPIO_PIN_13)</a:t>
-            </a:r>
-            <a:r>
-              <a:rPr lang="bg-BG" dirty="0"/>
-              <a:t> </a:t>
-            </a:r>
-            <a:r>
-              <a:rPr lang="bg-BG" dirty="0">
-                <a:solidFill>
-                  <a:srgbClr val="219D27"/>
-                </a:solidFill>
-              </a:rPr>
-              <a:t>//Дефиниция за натиснат бутон на джойстика на контролера</a:t>
-            </a:r>
-            <a:endParaRPr lang="en-US" dirty="0">
-              <a:solidFill>
-                <a:srgbClr val="219D27"/>
-              </a:solidFill>
-            </a:endParaRPr>
-          </a:p>
-          <a:p>
-            <a:pPr marL="0" indent="0">
-              <a:buNone/>
-            </a:pPr>
-            <a:r>
-              <a:rPr lang="en-US" dirty="0">
-                <a:solidFill>
-                  <a:srgbClr val="B831CF"/>
-                </a:solidFill>
-              </a:rPr>
-              <a:t>#define </a:t>
-            </a:r>
-            <a:r>
-              <a:rPr lang="en-US" dirty="0"/>
-              <a:t>Button_Up() HAL_GPIO_ReadPin(GPIOB, GPIO_PIN_10)</a:t>
-            </a:r>
-            <a:r>
-              <a:rPr lang="bg-BG" dirty="0"/>
-              <a:t> </a:t>
-            </a:r>
-            <a:r>
-              <a:rPr lang="bg-BG" dirty="0">
-                <a:solidFill>
-                  <a:srgbClr val="219D27"/>
-                </a:solidFill>
-              </a:rPr>
-              <a:t>//Дефиниция за позиция на джойстика нагоре</a:t>
-            </a:r>
-            <a:endParaRPr lang="en-US" dirty="0">
-              <a:solidFill>
-                <a:srgbClr val="219D27"/>
-              </a:solidFill>
-            </a:endParaRPr>
-          </a:p>
-          <a:p>
-            <a:pPr marL="0" indent="0">
-              <a:buNone/>
-            </a:pPr>
-            <a:r>
-              <a:rPr lang="en-US" dirty="0">
-                <a:solidFill>
-                  <a:srgbClr val="B831CF"/>
-                </a:solidFill>
-              </a:rPr>
-              <a:t>#define </a:t>
-            </a:r>
-            <a:r>
-              <a:rPr lang="en-US" dirty="0"/>
-              <a:t>Button_Down() HAL_GPIO_ReadPin(GPIOC, GPIO_PIN_5)</a:t>
-            </a:r>
-            <a:r>
-              <a:rPr lang="bg-BG" dirty="0"/>
-              <a:t> </a:t>
-            </a:r>
-            <a:r>
-              <a:rPr lang="bg-BG" dirty="0">
-                <a:solidFill>
-                  <a:srgbClr val="219D27"/>
-                </a:solidFill>
-              </a:rPr>
-              <a:t>//Дефиниция за позиция на джойстика надолу</a:t>
-            </a:r>
-            <a:endParaRPr lang="en-US" dirty="0">
-              <a:solidFill>
-                <a:srgbClr val="219D27"/>
-              </a:solidFill>
-            </a:endParaRPr>
-          </a:p>
-          <a:p>
-            <a:pPr marL="0" indent="0">
-              <a:buNone/>
-            </a:pPr>
-            <a:r>
-              <a:rPr lang="en-US" dirty="0">
-                <a:solidFill>
-                  <a:srgbClr val="B831CF"/>
-                </a:solidFill>
-              </a:rPr>
-              <a:t>#define </a:t>
-            </a:r>
-            <a:r>
-              <a:rPr lang="en-US" dirty="0"/>
-              <a:t>Button_Left() HAL_GPIO_ReadPin(GPIOC, GPIO_PIN_4)</a:t>
-            </a:r>
-            <a:r>
-              <a:rPr lang="bg-BG" dirty="0">
-                <a:solidFill>
-                  <a:srgbClr val="3F7F5F"/>
-                </a:solidFill>
-              </a:rPr>
-              <a:t> </a:t>
-            </a:r>
-            <a:r>
-              <a:rPr lang="bg-BG" dirty="0">
-                <a:solidFill>
-                  <a:srgbClr val="219D27"/>
-                </a:solidFill>
-              </a:rPr>
-              <a:t>//Дефиниция за позиция на джойстика наляво</a:t>
-            </a:r>
-            <a:endParaRPr lang="en-US" dirty="0">
-              <a:solidFill>
-                <a:srgbClr val="219D27"/>
-              </a:solidFill>
-            </a:endParaRPr>
-          </a:p>
-          <a:p>
-            <a:pPr marL="0" indent="0">
-              <a:buNone/>
-            </a:pPr>
-            <a:r>
-              <a:rPr lang="en-US" dirty="0">
-                <a:solidFill>
-                  <a:srgbClr val="B831CF"/>
-                </a:solidFill>
-              </a:rPr>
-              <a:t>#define </a:t>
-            </a:r>
-            <a:r>
-              <a:rPr lang="en-US" dirty="0"/>
-              <a:t>Button_Right() HAL_GPIO_ReadPin(GPIOB, GPIO_PIN_2)</a:t>
-            </a:r>
-            <a:r>
-              <a:rPr lang="bg-BG" dirty="0"/>
-              <a:t> </a:t>
-            </a:r>
-            <a:r>
-              <a:rPr lang="bg-BG" dirty="0">
-                <a:solidFill>
-                  <a:srgbClr val="219D27"/>
-                </a:solidFill>
-              </a:rPr>
-              <a:t>//Дефиниция за позиция на джойстика надясно</a:t>
-            </a:r>
-            <a:endParaRPr lang="en-US" dirty="0">
-              <a:solidFill>
-                <a:srgbClr val="219D27"/>
-              </a:solidFill>
-            </a:endParaRPr>
-          </a:p>
-          <a:p>
-            <a:pPr marL="0" indent="0">
-              <a:buNone/>
-            </a:pPr>
-            <a:r>
-              <a:rPr lang="en-US" dirty="0">
-                <a:solidFill>
-                  <a:srgbClr val="B831CF"/>
-                </a:solidFill>
-              </a:rPr>
-              <a:t>#define </a:t>
-            </a:r>
-            <a:r>
-              <a:rPr lang="en-US" dirty="0"/>
-              <a:t>Blinker_On() HAL_GPIO_WritePin(GPIOB, GPIO_PIN_7, Off)</a:t>
-            </a:r>
-            <a:r>
-              <a:rPr lang="bg-BG" dirty="0"/>
-              <a:t> </a:t>
-            </a:r>
-            <a:r>
-              <a:rPr lang="bg-BG" dirty="0">
-                <a:solidFill>
-                  <a:srgbClr val="219D27"/>
-                </a:solidFill>
-              </a:rPr>
-              <a:t>//Дефиниция за включено състояние на мигача</a:t>
-            </a:r>
-            <a:endParaRPr lang="en-US" dirty="0">
-              <a:solidFill>
-                <a:srgbClr val="219D27"/>
-              </a:solidFill>
-            </a:endParaRPr>
-          </a:p>
-          <a:p>
-            <a:pPr marL="0" indent="0">
-              <a:buNone/>
-            </a:pPr>
-            <a:r>
-              <a:rPr lang="en-US" dirty="0">
-                <a:solidFill>
-                  <a:srgbClr val="B831CF"/>
-                </a:solidFill>
-              </a:rPr>
-              <a:t>#define </a:t>
-            </a:r>
-            <a:r>
-              <a:rPr lang="en-US" dirty="0"/>
-              <a:t>Blinker_Off() HAL_GPIO_WritePin(GPIOB, GPIO_PIN_7, On)</a:t>
-            </a:r>
-            <a:r>
-              <a:rPr lang="bg-BG" dirty="0"/>
-              <a:t> </a:t>
-            </a:r>
-            <a:r>
-              <a:rPr lang="bg-BG" dirty="0">
-                <a:solidFill>
-                  <a:srgbClr val="219D27"/>
-                </a:solidFill>
-              </a:rPr>
-              <a:t>//Дефиниция за изключено състояние на мигача</a:t>
-            </a:r>
-            <a:endParaRPr lang="en-US" dirty="0">
-              <a:solidFill>
-                <a:srgbClr val="219D27"/>
-              </a:solidFill>
-            </a:endParaRPr>
-          </a:p>
-          <a:p>
-            <a:pPr marL="0" indent="0">
-              <a:buNone/>
-            </a:pPr>
-            <a:r>
-              <a:rPr lang="en-US" dirty="0">
-                <a:solidFill>
-                  <a:srgbClr val="219D27"/>
-                </a:solidFill>
-              </a:rPr>
-              <a:t>/* USER CODE END Includes */</a:t>
-            </a:r>
-          </a:p>
-        </p:txBody>
-      </p:sp>
+                <a:latin typeface="+mj-lt"/>
+                <a:ea typeface="+mj-ea"/>
+                <a:cs typeface="+mj-cs"/>
+              </a:defRPr>
+            </a:lvl1pPr>
+          </a:lstStyle>
+          <a:p>
+            <a:r>
+              <a:rPr lang="bg-BG" sz="4000" dirty="0"/>
+              <a:t>3. Списък с използваните компоненти</a:t>
+            </a:r>
+            <a:endParaRPr lang="en-US" sz="4000" dirty="0"/>
+          </a:p>
+        </p:txBody>
+      </p:sp>
+      <p:graphicFrame>
+        <p:nvGraphicFramePr>
+          <p:cNvPr id="8" name="Table 7">
+            <a:extLst>
+              <a:ext uri="{FF2B5EF4-FFF2-40B4-BE49-F238E27FC236}">
+                <a16:creationId xmlns:a16="http://schemas.microsoft.com/office/drawing/2014/main" id="{2C1DFC94-8900-E85C-F60F-C4173994E5F4}"/>
+              </a:ext>
+            </a:extLst>
+          </p:cNvPr>
+          <p:cNvGraphicFramePr>
+            <a:graphicFrameLocks noGrp="1"/>
+          </p:cNvGraphicFramePr>
+          <p:nvPr>
+            <p:extLst>
+              <p:ext uri="{D42A27DB-BD31-4B8C-83A1-F6EECF244321}">
+                <p14:modId xmlns:p14="http://schemas.microsoft.com/office/powerpoint/2010/main" val="3851236503"/>
+              </p:ext>
+            </p:extLst>
+          </p:nvPr>
+        </p:nvGraphicFramePr>
+        <p:xfrm>
+          <a:off x="472494" y="3788539"/>
+          <a:ext cx="11247010" cy="2704338"/>
+        </p:xfrm>
+        <a:graphic>
+          <a:graphicData uri="http://schemas.openxmlformats.org/drawingml/2006/table">
+            <a:tbl>
+              <a:tblPr firstRow="1" bandRow="1">
+                <a:tableStyleId>{5940675A-B579-460E-94D1-54222C63F5DA}</a:tableStyleId>
+              </a:tblPr>
+              <a:tblGrid>
+                <a:gridCol w="5623505">
+                  <a:extLst>
+                    <a:ext uri="{9D8B030D-6E8A-4147-A177-3AD203B41FA5}">
+                      <a16:colId xmlns:a16="http://schemas.microsoft.com/office/drawing/2014/main" val="2214428607"/>
+                    </a:ext>
+                  </a:extLst>
+                </a:gridCol>
+                <a:gridCol w="5623505">
+                  <a:extLst>
+                    <a:ext uri="{9D8B030D-6E8A-4147-A177-3AD203B41FA5}">
+                      <a16:colId xmlns:a16="http://schemas.microsoft.com/office/drawing/2014/main" val="330990043"/>
+                    </a:ext>
+                  </a:extLst>
+                </a:gridCol>
+              </a:tblGrid>
+              <a:tr h="386334">
+                <a:tc>
+                  <a:txBody>
+                    <a:bodyPr/>
+                    <a:lstStyle/>
+                    <a:p>
+                      <a:r>
+                        <a:rPr lang="bg-BG" b="1" dirty="0"/>
+                        <a:t>Изпозлвани компоненти</a:t>
+                      </a:r>
+                      <a:endParaRPr lang="en-US" b="1" dirty="0"/>
+                    </a:p>
+                  </a:txBody>
+                  <a:tcPr/>
+                </a:tc>
+                <a:tc>
+                  <a:txBody>
+                    <a:bodyPr/>
+                    <a:lstStyle/>
+                    <a:p>
+                      <a:r>
+                        <a:rPr lang="bg-BG" b="1" dirty="0"/>
+                        <a:t>Брой</a:t>
+                      </a:r>
+                      <a:endParaRPr lang="en-US" b="1" dirty="0"/>
+                    </a:p>
+                  </a:txBody>
+                  <a:tcPr/>
+                </a:tc>
+                <a:extLst>
+                  <a:ext uri="{0D108BD9-81ED-4DB2-BD59-A6C34878D82A}">
+                    <a16:rowId xmlns:a16="http://schemas.microsoft.com/office/drawing/2014/main" val="3677755397"/>
+                  </a:ext>
+                </a:extLst>
+              </a:tr>
+              <a:tr h="386334">
+                <a:tc>
+                  <a:txBody>
+                    <a:bodyPr/>
+                    <a:lstStyle/>
+                    <a:p>
+                      <a:r>
+                        <a:rPr lang="en-US" dirty="0"/>
+                        <a:t>Nucleo-64 </a:t>
+                      </a:r>
+                      <a:r>
+                        <a:rPr lang="bg-BG" dirty="0"/>
+                        <a:t>с </a:t>
+                      </a:r>
+                      <a:r>
+                        <a:rPr lang="en-US" dirty="0"/>
+                        <a:t>STM32G474RET6 ARM Cortex-M4</a:t>
+                      </a:r>
+                    </a:p>
+                  </a:txBody>
+                  <a:tcPr/>
+                </a:tc>
+                <a:tc>
+                  <a:txBody>
+                    <a:bodyPr/>
+                    <a:lstStyle/>
+                    <a:p>
+                      <a:r>
+                        <a:rPr lang="bg-BG" dirty="0"/>
+                        <a:t>1</a:t>
+                      </a:r>
+                      <a:endParaRPr lang="en-US" dirty="0"/>
+                    </a:p>
+                  </a:txBody>
+                  <a:tcPr/>
+                </a:tc>
+                <a:extLst>
+                  <a:ext uri="{0D108BD9-81ED-4DB2-BD59-A6C34878D82A}">
+                    <a16:rowId xmlns:a16="http://schemas.microsoft.com/office/drawing/2014/main" val="3293958030"/>
+                  </a:ext>
+                </a:extLst>
+              </a:tr>
+              <a:tr h="386334">
+                <a:tc>
+                  <a:txBody>
+                    <a:bodyPr/>
+                    <a:lstStyle/>
+                    <a:p>
+                      <a:r>
+                        <a:rPr lang="bg-BG" dirty="0"/>
+                        <a:t>Драйвер за моторите: </a:t>
+                      </a:r>
+                      <a:r>
+                        <a:rPr lang="en-US" dirty="0"/>
+                        <a:t>VNH7070ASTR</a:t>
+                      </a:r>
+                    </a:p>
+                  </a:txBody>
+                  <a:tcPr/>
+                </a:tc>
+                <a:tc>
+                  <a:txBody>
+                    <a:bodyPr/>
+                    <a:lstStyle/>
+                    <a:p>
+                      <a:r>
+                        <a:rPr lang="bg-BG" dirty="0"/>
+                        <a:t>3</a:t>
+                      </a:r>
+                      <a:endParaRPr lang="en-US" dirty="0"/>
+                    </a:p>
+                  </a:txBody>
+                  <a:tcPr/>
+                </a:tc>
+                <a:extLst>
+                  <a:ext uri="{0D108BD9-81ED-4DB2-BD59-A6C34878D82A}">
+                    <a16:rowId xmlns:a16="http://schemas.microsoft.com/office/drawing/2014/main" val="3916166645"/>
+                  </a:ext>
+                </a:extLst>
+              </a:tr>
+              <a:tr h="386334">
+                <a:tc>
+                  <a:txBody>
+                    <a:bodyPr/>
+                    <a:lstStyle/>
+                    <a:p>
+                      <a:r>
+                        <a:rPr lang="bg-BG" dirty="0"/>
+                        <a:t>Лабораторен захрахващ блок</a:t>
+                      </a:r>
+                      <a:endParaRPr lang="en-US" dirty="0"/>
+                    </a:p>
+                  </a:txBody>
+                  <a:tcPr/>
+                </a:tc>
+                <a:tc>
+                  <a:txBody>
+                    <a:bodyPr/>
+                    <a:lstStyle/>
+                    <a:p>
+                      <a:r>
+                        <a:rPr lang="bg-BG" dirty="0"/>
+                        <a:t>1</a:t>
+                      </a:r>
+                      <a:endParaRPr lang="en-US" dirty="0"/>
+                    </a:p>
+                  </a:txBody>
+                  <a:tcPr/>
+                </a:tc>
+                <a:extLst>
+                  <a:ext uri="{0D108BD9-81ED-4DB2-BD59-A6C34878D82A}">
+                    <a16:rowId xmlns:a16="http://schemas.microsoft.com/office/drawing/2014/main" val="3309644249"/>
+                  </a:ext>
+                </a:extLst>
+              </a:tr>
+              <a:tr h="386334">
+                <a:tc>
+                  <a:txBody>
+                    <a:bodyPr/>
+                    <a:lstStyle/>
+                    <a:p>
+                      <a:r>
+                        <a:rPr lang="en-US" dirty="0"/>
+                        <a:t>DC </a:t>
+                      </a:r>
+                      <a:r>
+                        <a:rPr lang="bg-BG" dirty="0"/>
+                        <a:t>мотор за движение на стъклото</a:t>
+                      </a:r>
+                      <a:endParaRPr lang="en-US" dirty="0"/>
+                    </a:p>
+                  </a:txBody>
+                  <a:tcPr/>
+                </a:tc>
+                <a:tc>
+                  <a:txBody>
+                    <a:bodyPr/>
+                    <a:lstStyle/>
+                    <a:p>
+                      <a:r>
+                        <a:rPr lang="bg-BG" dirty="0"/>
+                        <a:t>2</a:t>
+                      </a:r>
+                      <a:endParaRPr lang="en-US" dirty="0"/>
+                    </a:p>
+                  </a:txBody>
+                  <a:tcPr/>
+                </a:tc>
+                <a:extLst>
+                  <a:ext uri="{0D108BD9-81ED-4DB2-BD59-A6C34878D82A}">
+                    <a16:rowId xmlns:a16="http://schemas.microsoft.com/office/drawing/2014/main" val="1414740125"/>
+                  </a:ext>
+                </a:extLst>
+              </a:tr>
+              <a:tr h="386334">
+                <a:tc>
+                  <a:txBody>
+                    <a:bodyPr/>
+                    <a:lstStyle/>
+                    <a:p>
+                      <a:r>
+                        <a:rPr lang="bg-BG" dirty="0"/>
+                        <a:t>Мигач</a:t>
+                      </a:r>
+                      <a:endParaRPr lang="en-US" dirty="0"/>
+                    </a:p>
+                  </a:txBody>
+                  <a:tcPr/>
+                </a:tc>
+                <a:tc>
+                  <a:txBody>
+                    <a:bodyPr/>
+                    <a:lstStyle/>
+                    <a:p>
+                      <a:r>
+                        <a:rPr lang="bg-BG" dirty="0"/>
+                        <a:t>1</a:t>
+                      </a:r>
+                      <a:endParaRPr lang="en-US" dirty="0"/>
+                    </a:p>
+                  </a:txBody>
+                  <a:tcPr/>
+                </a:tc>
+                <a:extLst>
+                  <a:ext uri="{0D108BD9-81ED-4DB2-BD59-A6C34878D82A}">
+                    <a16:rowId xmlns:a16="http://schemas.microsoft.com/office/drawing/2014/main" val="1966603817"/>
+                  </a:ext>
+                </a:extLst>
+              </a:tr>
+              <a:tr h="386334">
+                <a:tc>
+                  <a:txBody>
+                    <a:bodyPr/>
+                    <a:lstStyle/>
+                    <a:p>
+                      <a:r>
+                        <a:rPr lang="bg-BG" dirty="0"/>
+                        <a:t>Резистори за АЦП</a:t>
+                      </a:r>
+                      <a:endParaRPr lang="en-US" dirty="0"/>
+                    </a:p>
+                  </a:txBody>
+                  <a:tcPr/>
+                </a:tc>
+                <a:tc>
+                  <a:txBody>
+                    <a:bodyPr/>
+                    <a:lstStyle/>
+                    <a:p>
+                      <a:r>
+                        <a:rPr lang="bg-BG" dirty="0"/>
+                        <a:t>2 х 511 </a:t>
+                      </a:r>
+                      <a:r>
+                        <a:rPr lang="el-GR" dirty="0"/>
+                        <a:t>Ω</a:t>
+                      </a:r>
+                      <a:r>
+                        <a:rPr lang="bg-BG" dirty="0"/>
+                        <a:t> </a:t>
+                      </a:r>
+                      <a:endParaRPr lang="en-US" dirty="0"/>
+                    </a:p>
+                  </a:txBody>
+                  <a:tcPr/>
+                </a:tc>
+                <a:extLst>
+                  <a:ext uri="{0D108BD9-81ED-4DB2-BD59-A6C34878D82A}">
+                    <a16:rowId xmlns:a16="http://schemas.microsoft.com/office/drawing/2014/main" val="2635271211"/>
+                  </a:ext>
+                </a:extLst>
+              </a:tr>
+            </a:tbl>
+          </a:graphicData>
+        </a:graphic>
+      </p:graphicFrame>
     </p:spTree>
     <p:extLst>
       <p:ext uri="{BB962C8B-B14F-4D97-AF65-F5344CB8AC3E}">
-        <p14:creationId xmlns:p14="http://schemas.microsoft.com/office/powerpoint/2010/main" val="1855440915"/>
+        <p14:creationId xmlns:p14="http://schemas.microsoft.com/office/powerpoint/2010/main" val="359467107"/>
       </p:ext>
     </p:extLst>
   </p:cSld>
@@ -4466,508 +4261,393 @@
       </p:grpSpPr>
       <p:sp>
         <p:nvSpPr>
-          <p:cNvPr id="4" name="Content Placeholder 2">
-            <a:extLst>
-              <a:ext uri="{FF2B5EF4-FFF2-40B4-BE49-F238E27FC236}">
-                <a16:creationId xmlns:a16="http://schemas.microsoft.com/office/drawing/2014/main" id="{A10D12B7-0B49-6DA3-9B60-626A77E2FD65}"/>
-              </a:ext>
-            </a:extLst>
-          </p:cNvPr>
-          <p:cNvSpPr>
-            <a:spLocks noGrp="1"/>
-          </p:cNvSpPr>
-          <p:nvPr>
-            <p:ph idx="1"/>
+          <p:cNvPr id="2" name="Title 1">
+            <a:extLst>
+              <a:ext uri="{FF2B5EF4-FFF2-40B4-BE49-F238E27FC236}">
+                <a16:creationId xmlns:a16="http://schemas.microsoft.com/office/drawing/2014/main" id="{AE62A4CE-5C8A-7CC8-835D-A6C293D94857}"/>
+              </a:ext>
+            </a:extLst>
+          </p:cNvPr>
+          <p:cNvSpPr>
+            <a:spLocks noGrp="1"/>
+          </p:cNvSpPr>
+          <p:nvPr>
+            <p:ph type="title"/>
           </p:nvPr>
         </p:nvSpPr>
         <p:spPr>
           <a:xfrm>
-            <a:off x="297024" y="345232"/>
-            <a:ext cx="11597951" cy="6512767"/>
+            <a:off x="838200" y="0"/>
+            <a:ext cx="10515600" cy="1325563"/>
           </a:xfrm>
         </p:spPr>
         <p:txBody>
-          <a:bodyPr numCol="2">
-            <a:normAutofit fontScale="85000" lnSpcReduction="20000"/>
+          <a:bodyPr>
+            <a:normAutofit fontScale="90000"/>
           </a:bodyPr>
           <a:lstStyle/>
           <a:p>
-            <a:pPr marL="0" indent="0">
-              <a:buNone/>
-            </a:pPr>
-            <a:r>
-              <a:rPr lang="bg-BG" sz="2400" b="1" dirty="0"/>
-              <a:t>2.2. Функции за движение на стъклото:</a:t>
-            </a:r>
-          </a:p>
-          <a:p>
-            <a:pPr marL="0" indent="0">
-              <a:spcAft>
-                <a:spcPts val="600"/>
-              </a:spcAft>
-              <a:buNone/>
-            </a:pPr>
-            <a:r>
-              <a:rPr lang="bg-BG" sz="1900" b="1" dirty="0"/>
-              <a:t>2.2.1. Функция за движение нагоре:</a:t>
-            </a:r>
-          </a:p>
-          <a:p>
-            <a:pPr marL="0" indent="0">
-              <a:buNone/>
-            </a:pPr>
-            <a:r>
-              <a:rPr lang="en-US" sz="1800" dirty="0">
-                <a:solidFill>
-                  <a:srgbClr val="B831CF"/>
-                </a:solidFill>
-              </a:rPr>
-              <a:t>void</a:t>
-            </a:r>
-            <a:r>
-              <a:rPr lang="en-US" sz="1800" dirty="0"/>
-              <a:t> Move_UP(</a:t>
-            </a:r>
-            <a:r>
-              <a:rPr lang="en-US" sz="1800" dirty="0">
-                <a:solidFill>
-                  <a:srgbClr val="B831CF"/>
-                </a:solidFill>
-              </a:rPr>
-              <a:t>void</a:t>
-            </a:r>
-            <a:r>
-              <a:rPr lang="en-US" sz="1800" dirty="0"/>
-              <a:t>)</a:t>
-            </a:r>
-          </a:p>
-          <a:p>
-            <a:pPr marL="0" indent="0">
-              <a:buNone/>
-            </a:pPr>
-            <a:r>
-              <a:rPr lang="en-US" sz="1800" dirty="0"/>
-              <a:t>{</a:t>
-            </a:r>
-          </a:p>
-          <a:p>
-            <a:pPr marL="0" indent="0">
-              <a:buNone/>
-            </a:pPr>
-            <a:r>
-              <a:rPr lang="en-US" sz="1800" dirty="0"/>
-              <a:t>                     HAL_GPIO_WritePin(GPIOB, GPIO_PIN_5, Off);</a:t>
-            </a:r>
-          </a:p>
-          <a:p>
-            <a:pPr marL="0" indent="0">
-              <a:buNone/>
-            </a:pPr>
-            <a:r>
-              <a:rPr lang="en-US" sz="1800" dirty="0"/>
-              <a:t>	HAL_GPIO_WritePin(GPIOB, GPIO_PIN_9, On);</a:t>
-            </a:r>
-          </a:p>
-          <a:p>
-            <a:pPr marL="0" indent="0">
-              <a:buNone/>
-            </a:pPr>
-            <a:r>
-              <a:rPr lang="en-US" sz="1800" dirty="0"/>
-              <a:t>	HAL_GPIO_WritePin(GPIOA, GPIO_PIN_6, On);</a:t>
-            </a:r>
-          </a:p>
-          <a:p>
-            <a:pPr marL="0" indent="0">
-              <a:buNone/>
-            </a:pPr>
-            <a:r>
-              <a:rPr lang="en-US" sz="1800" dirty="0"/>
-              <a:t>	HAL_GPIO_WritePin(GPIOA, GPIO_PIN_7, On);</a:t>
-            </a:r>
-          </a:p>
-          <a:p>
-            <a:pPr marL="0" indent="0">
-              <a:buNone/>
-            </a:pPr>
-            <a:r>
-              <a:rPr lang="en-US" sz="1800" dirty="0"/>
-              <a:t>	HAL_GPIO_WritePin(GPIOC, GPIO_PIN_14, On);</a:t>
-            </a:r>
-          </a:p>
-          <a:p>
-            <a:pPr marL="0" indent="0">
-              <a:buNone/>
-            </a:pPr>
-            <a:r>
-              <a:rPr lang="en-US" sz="1800" dirty="0"/>
-              <a:t>	HAL_GPIO_WritePin(GPIOC, GPIO_PIN_15, Off);</a:t>
-            </a:r>
-          </a:p>
-          <a:p>
-            <a:pPr marL="0" indent="0">
-              <a:buNone/>
-            </a:pPr>
-            <a:r>
-              <a:rPr lang="en-US" sz="1800" dirty="0"/>
-              <a:t>}</a:t>
-            </a:r>
-            <a:endParaRPr lang="bg-BG" sz="1800" dirty="0"/>
-          </a:p>
-          <a:p>
-            <a:pPr marL="0" indent="0">
-              <a:spcAft>
-                <a:spcPts val="600"/>
-              </a:spcAft>
-              <a:buNone/>
-            </a:pPr>
-            <a:r>
-              <a:rPr lang="bg-BG" sz="1900" b="1" dirty="0"/>
-              <a:t>2.2.2. Функция за движение нагоре:</a:t>
-            </a:r>
-          </a:p>
-          <a:p>
-            <a:pPr marL="0" indent="0">
-              <a:buNone/>
-            </a:pPr>
-            <a:r>
-              <a:rPr lang="en-US" sz="1800" dirty="0">
-                <a:solidFill>
-                  <a:srgbClr val="B831CF"/>
-                </a:solidFill>
-              </a:rPr>
-              <a:t>void</a:t>
-            </a:r>
-            <a:r>
-              <a:rPr lang="en-US" sz="1800" dirty="0"/>
-              <a:t> Move_DOWN(</a:t>
-            </a:r>
-            <a:r>
-              <a:rPr lang="en-US" sz="1800" dirty="0">
-                <a:solidFill>
-                  <a:srgbClr val="B831CF"/>
-                </a:solidFill>
-              </a:rPr>
-              <a:t>void</a:t>
-            </a:r>
-            <a:r>
-              <a:rPr lang="en-US" sz="1800" dirty="0"/>
-              <a:t>)</a:t>
-            </a:r>
-          </a:p>
-          <a:p>
-            <a:pPr marL="0" indent="0">
-              <a:buNone/>
-            </a:pPr>
-            <a:r>
-              <a:rPr lang="en-US" sz="1800" dirty="0"/>
-              <a:t>{</a:t>
-            </a:r>
-          </a:p>
-          <a:p>
-            <a:pPr marL="0" indent="0">
-              <a:buNone/>
-            </a:pPr>
-            <a:r>
-              <a:rPr lang="en-US" sz="1800" dirty="0"/>
-              <a:t>	HAL_GPIO_WritePin(GPIOB, GPIO_PIN_9, Off);</a:t>
-            </a:r>
-          </a:p>
-          <a:p>
-            <a:pPr marL="0" indent="0">
-              <a:buNone/>
-            </a:pPr>
-            <a:r>
-              <a:rPr lang="en-US" sz="1800" dirty="0"/>
-              <a:t>	HAL_GPIO_WritePin(GPIOB, GPIO_PIN_5, On);</a:t>
-            </a:r>
-          </a:p>
-          <a:p>
-            <a:pPr marL="0" indent="0">
-              <a:buNone/>
-            </a:pPr>
-            <a:r>
-              <a:rPr lang="en-US" sz="1800" dirty="0"/>
-              <a:t>	HAL_GPIO_WritePin(GPIOA, GPIO_PIN_6, On);</a:t>
-            </a:r>
-          </a:p>
-          <a:p>
-            <a:pPr marL="0" indent="0">
-              <a:buNone/>
-            </a:pPr>
-            <a:r>
-              <a:rPr lang="en-US" sz="1800" dirty="0"/>
-              <a:t>	HAL_GPIO_WritePin(GPIOA, GPIO_PIN_7, On);</a:t>
-            </a:r>
-          </a:p>
-          <a:p>
-            <a:pPr marL="0" indent="0">
-              <a:buNone/>
-            </a:pPr>
-            <a:r>
-              <a:rPr lang="en-US" sz="1800" dirty="0"/>
-              <a:t>	HAL_GPIO_WritePin(GPIOC, GPIO_PIN_14, On);</a:t>
-            </a:r>
-          </a:p>
-          <a:p>
-            <a:pPr marL="0" indent="0">
-              <a:buNone/>
-            </a:pPr>
-            <a:r>
-              <a:rPr lang="en-US" sz="1800" dirty="0"/>
-              <a:t>	HAL_GPIO_WritePin(GPIOC, GPIO_PIN_15, Off);</a:t>
-            </a:r>
-          </a:p>
-          <a:p>
-            <a:pPr marL="0" indent="0">
-              <a:buNone/>
-            </a:pPr>
-            <a:r>
-              <a:rPr lang="en-US" sz="1800" dirty="0"/>
-              <a:t>}</a:t>
-            </a:r>
-            <a:endParaRPr lang="bg-BG" sz="1800" dirty="0"/>
-          </a:p>
-          <a:p>
-            <a:pPr marL="0" indent="0">
-              <a:buNone/>
-            </a:pPr>
-            <a:endParaRPr lang="bg-BG" sz="2400" dirty="0"/>
-          </a:p>
-          <a:p>
-            <a:pPr marL="0" indent="0">
-              <a:spcAft>
-                <a:spcPts val="600"/>
-              </a:spcAft>
-              <a:buNone/>
-            </a:pPr>
-            <a:r>
-              <a:rPr lang="bg-BG" sz="1900" b="1" dirty="0"/>
-              <a:t>2.2.3. Функция за движение наляво:</a:t>
-            </a:r>
-          </a:p>
-          <a:p>
-            <a:pPr marL="0" indent="0">
-              <a:buNone/>
-            </a:pPr>
-            <a:r>
-              <a:rPr lang="en-US" sz="1800" dirty="0">
-                <a:solidFill>
-                  <a:srgbClr val="B831CF"/>
-                </a:solidFill>
-              </a:rPr>
-              <a:t>void </a:t>
-            </a:r>
-            <a:r>
-              <a:rPr lang="en-US" sz="1800" dirty="0"/>
-              <a:t>Move_LEFT(</a:t>
-            </a:r>
-            <a:r>
-              <a:rPr lang="en-US" sz="1800" dirty="0">
-                <a:solidFill>
-                  <a:srgbClr val="B831CF"/>
-                </a:solidFill>
-              </a:rPr>
-              <a:t>void</a:t>
-            </a:r>
-            <a:r>
-              <a:rPr lang="en-US" sz="1800" dirty="0"/>
-              <a:t>)</a:t>
-            </a:r>
-          </a:p>
-          <a:p>
-            <a:pPr marL="0" indent="0">
-              <a:buNone/>
-            </a:pPr>
-            <a:r>
-              <a:rPr lang="en-US" sz="1800" dirty="0"/>
-              <a:t>{</a:t>
-            </a:r>
-          </a:p>
-          <a:p>
-            <a:pPr marL="0" indent="0">
-              <a:buNone/>
-            </a:pPr>
-            <a:r>
-              <a:rPr lang="en-US" sz="1800" dirty="0"/>
-              <a:t>	HAL_GPIO_WritePin(GPIOA, GPIO_PIN_6, Off);</a:t>
-            </a:r>
-          </a:p>
-          <a:p>
-            <a:pPr marL="0" indent="0">
-              <a:buNone/>
-            </a:pPr>
-            <a:r>
-              <a:rPr lang="en-US" sz="1800" dirty="0"/>
-              <a:t>	HAL_GPIO_WritePin(GPIOA, GPIO_PIN_7, On);</a:t>
-            </a:r>
-          </a:p>
-          <a:p>
-            <a:pPr marL="0" indent="0">
-              <a:buNone/>
-            </a:pPr>
-            <a:r>
-              <a:rPr lang="en-US" sz="1800" dirty="0"/>
-              <a:t>	HAL_GPIO_WritePin(GPIOB, GPIO_PIN_5, On);</a:t>
-            </a:r>
-          </a:p>
-          <a:p>
-            <a:pPr marL="0" indent="0">
-              <a:buNone/>
-            </a:pPr>
-            <a:r>
-              <a:rPr lang="en-US" sz="1800" dirty="0"/>
-              <a:t>	HAL_GPIO_WritePin(GPIOB, GPIO_PIN_9, On);</a:t>
-            </a:r>
-          </a:p>
-          <a:p>
-            <a:pPr marL="0" indent="0">
-              <a:buNone/>
-            </a:pPr>
-            <a:r>
-              <a:rPr lang="en-US" sz="1800" dirty="0"/>
-              <a:t>	HAL_GPIO_WritePin(GPIOC, GPIO_PIN_14, Off);</a:t>
-            </a:r>
-          </a:p>
-          <a:p>
-            <a:pPr marL="0" indent="0">
-              <a:buNone/>
-            </a:pPr>
-            <a:r>
-              <a:rPr lang="en-US" sz="1800" dirty="0"/>
-              <a:t>	HAL_GPIO_WritePin(GPIOC, GPIO_PIN_15, On);</a:t>
-            </a:r>
-          </a:p>
-          <a:p>
-            <a:pPr marL="0" indent="0">
-              <a:buNone/>
-            </a:pPr>
-            <a:r>
-              <a:rPr lang="en-US" sz="1800" dirty="0"/>
-              <a:t>} </a:t>
-            </a:r>
-            <a:endParaRPr lang="bg-BG" sz="1800" dirty="0"/>
-          </a:p>
-          <a:p>
-            <a:pPr marL="0" indent="0">
-              <a:spcAft>
-                <a:spcPts val="600"/>
-              </a:spcAft>
-              <a:buNone/>
-            </a:pPr>
-            <a:r>
-              <a:rPr lang="bg-BG" sz="1900" b="1" dirty="0"/>
-              <a:t>2.2.4. Функция за движение надясно:</a:t>
-            </a:r>
-          </a:p>
-          <a:p>
-            <a:pPr marL="0" indent="0">
-              <a:buNone/>
-            </a:pPr>
-            <a:r>
-              <a:rPr lang="en-US" sz="1800" dirty="0">
-                <a:solidFill>
-                  <a:srgbClr val="B831CF"/>
-                </a:solidFill>
-              </a:rPr>
-              <a:t>void </a:t>
-            </a:r>
-            <a:r>
-              <a:rPr lang="en-US" sz="1800" dirty="0"/>
-              <a:t>Move_RIGHT(</a:t>
-            </a:r>
-            <a:r>
-              <a:rPr lang="en-US" sz="1800" dirty="0">
-                <a:solidFill>
-                  <a:srgbClr val="B831CF"/>
-                </a:solidFill>
-              </a:rPr>
-              <a:t>void</a:t>
-            </a:r>
-            <a:r>
-              <a:rPr lang="en-US" sz="1800" dirty="0"/>
-              <a:t>)</a:t>
-            </a:r>
-          </a:p>
-          <a:p>
-            <a:pPr marL="0" indent="0">
-              <a:buNone/>
-            </a:pPr>
-            <a:r>
-              <a:rPr lang="en-US" sz="1800" dirty="0"/>
-              <a:t>{</a:t>
-            </a:r>
-          </a:p>
-          <a:p>
-            <a:pPr marL="0" indent="0">
-              <a:buNone/>
-            </a:pPr>
-            <a:r>
-              <a:rPr lang="en-US" sz="1800" dirty="0"/>
-              <a:t>	HAL_GPIO_WritePin(GPIOA, GPIO_PIN_7, Off);</a:t>
-            </a:r>
-          </a:p>
-          <a:p>
-            <a:pPr marL="0" indent="0">
-              <a:buNone/>
-            </a:pPr>
-            <a:r>
-              <a:rPr lang="en-US" sz="1800" dirty="0"/>
-              <a:t>	HAL_GPIO_WritePin(GPIOA, GPIO_PIN_6, On);</a:t>
-            </a:r>
-          </a:p>
-          <a:p>
-            <a:pPr marL="0" indent="0">
-              <a:buNone/>
-            </a:pPr>
-            <a:r>
-              <a:rPr lang="en-US" sz="1800" dirty="0"/>
-              <a:t>	HAL_GPIO_WritePin(GPIOB, GPIO_PIN_5, On);</a:t>
-            </a:r>
-          </a:p>
-          <a:p>
-            <a:pPr marL="0" indent="0">
-              <a:buNone/>
-            </a:pPr>
-            <a:r>
-              <a:rPr lang="en-US" sz="1800" dirty="0"/>
-              <a:t>	HAL_GPIO_WritePin(GPIOB, GPIO_PIN_9, On);</a:t>
-            </a:r>
-          </a:p>
-          <a:p>
-            <a:pPr marL="0" indent="0">
-              <a:buNone/>
-            </a:pPr>
-            <a:r>
-              <a:rPr lang="en-US" sz="1800" dirty="0"/>
-              <a:t>	HAL_GPIO_WritePin(GPIOC, GPIO_PIN_14, Off);</a:t>
-            </a:r>
-          </a:p>
-          <a:p>
-            <a:pPr marL="0" indent="0">
-              <a:buNone/>
-            </a:pPr>
-            <a:r>
-              <a:rPr lang="en-US" sz="1800" dirty="0"/>
-              <a:t>	HAL_GPIO_WritePin(GPIOC, GPIO_PIN_15, On);</a:t>
-            </a:r>
-          </a:p>
-          <a:p>
-            <a:pPr marL="0" indent="0">
-              <a:buNone/>
-            </a:pPr>
-            <a:r>
-              <a:rPr lang="en-US" sz="1800" dirty="0"/>
-              <a:t>}</a:t>
-            </a:r>
-            <a:endParaRPr lang="bg-BG" sz="1800" dirty="0"/>
+            <a:r>
+              <a:rPr lang="en-US" sz="5300" b="1" dirty="0"/>
+              <a:t>II. </a:t>
+            </a:r>
+            <a:r>
+              <a:rPr lang="bg-BG" sz="5300" b="1" dirty="0"/>
+              <a:t>Софтуер.</a:t>
+            </a:r>
+            <a:br>
+              <a:rPr lang="bg-BG" dirty="0"/>
+            </a:br>
+            <a:r>
+              <a:rPr lang="bg-BG" dirty="0"/>
+              <a:t>1. Проектиране на </a:t>
+            </a:r>
+            <a:r>
+              <a:rPr lang="en-US" dirty="0"/>
+              <a:t>IOC</a:t>
+            </a:r>
+            <a:r>
+              <a:rPr lang="bg-BG" dirty="0"/>
+              <a:t>.</a:t>
+            </a:r>
+            <a:endParaRPr lang="en-US" dirty="0"/>
+          </a:p>
+        </p:txBody>
+      </p:sp>
+      <p:pic>
+        <p:nvPicPr>
+          <p:cNvPr id="10" name="Content Placeholder 9">
+            <a:extLst>
+              <a:ext uri="{FF2B5EF4-FFF2-40B4-BE49-F238E27FC236}">
+                <a16:creationId xmlns:a16="http://schemas.microsoft.com/office/drawing/2014/main" id="{8CF965C3-4A8D-FF43-54B1-8E5E88AF10C9}"/>
+              </a:ext>
+            </a:extLst>
+          </p:cNvPr>
+          <p:cNvPicPr>
+            <a:picLocks noGrp="1" noChangeAspect="1"/>
+          </p:cNvPicPr>
+          <p:nvPr>
+            <p:ph idx="1"/>
+          </p:nvPr>
+        </p:nvPicPr>
+        <p:blipFill>
+          <a:blip r:embed="rId2">
+            <a:extLst>
+              <a:ext uri="{28A0092B-C50C-407E-A947-70E740481C1C}">
+                <a14:useLocalDpi xmlns:a14="http://schemas.microsoft.com/office/drawing/2010/main" val="0"/>
+              </a:ext>
+            </a:extLst>
+          </a:blip>
+          <a:srcRect l="9409" r="18405"/>
+          <a:stretch>
+            <a:fillRect/>
+          </a:stretch>
+        </p:blipFill>
+        <p:spPr>
+          <a:xfrm>
+            <a:off x="298579" y="1253331"/>
+            <a:ext cx="4581332" cy="5424813"/>
+          </a:xfrm>
+        </p:spPr>
+      </p:pic>
+      <p:sp>
+        <p:nvSpPr>
+          <p:cNvPr id="6" name="TextBox 5">
+            <a:extLst>
+              <a:ext uri="{FF2B5EF4-FFF2-40B4-BE49-F238E27FC236}">
+                <a16:creationId xmlns:a16="http://schemas.microsoft.com/office/drawing/2014/main" id="{5A3DC9FD-1B7B-38D6-FD71-126A44701241}"/>
+              </a:ext>
+            </a:extLst>
+          </p:cNvPr>
+          <p:cNvSpPr txBox="1"/>
+          <p:nvPr/>
+        </p:nvSpPr>
+        <p:spPr>
+          <a:xfrm>
+            <a:off x="5365103" y="1253331"/>
+            <a:ext cx="6624734" cy="5447645"/>
+          </a:xfrm>
+          <a:prstGeom prst="rect">
+            <a:avLst/>
+          </a:prstGeom>
+          <a:noFill/>
+        </p:spPr>
+        <p:txBody>
+          <a:bodyPr wrap="square" rtlCol="0">
+            <a:spAutoFit/>
+          </a:bodyPr>
+          <a:lstStyle/>
+          <a:p>
+            <a:r>
+              <a:rPr lang="bg-BG" sz="2200" b="1" dirty="0"/>
+              <a:t>Конфигурация на пиновете: </a:t>
+            </a:r>
+          </a:p>
+          <a:p>
+            <a:pPr marL="285750" indent="-285750">
+              <a:buFont typeface="Arial" panose="020B0604020202020204" pitchFamily="34" charset="0"/>
+              <a:buChar char="•"/>
+            </a:pPr>
+            <a:r>
+              <a:rPr lang="en-US" dirty="0"/>
+              <a:t>PB5 – Output </a:t>
+            </a:r>
+            <a:r>
+              <a:rPr lang="bg-BG" dirty="0"/>
+              <a:t>за движение нагоре</a:t>
+            </a:r>
+          </a:p>
+          <a:p>
+            <a:pPr marL="285750" indent="-285750">
+              <a:buFont typeface="Arial" panose="020B0604020202020204" pitchFamily="34" charset="0"/>
+              <a:buChar char="•"/>
+            </a:pPr>
+            <a:r>
+              <a:rPr lang="en-US" dirty="0"/>
+              <a:t>PB9 – Output </a:t>
+            </a:r>
+            <a:r>
+              <a:rPr lang="bg-BG" dirty="0"/>
+              <a:t>за движение надолу</a:t>
+            </a:r>
+          </a:p>
+          <a:p>
+            <a:pPr marL="285750" indent="-285750">
+              <a:buFont typeface="Arial" panose="020B0604020202020204" pitchFamily="34" charset="0"/>
+              <a:buChar char="•"/>
+            </a:pPr>
+            <a:r>
+              <a:rPr lang="en-US" dirty="0"/>
+              <a:t>PA6 – Output </a:t>
+            </a:r>
+            <a:r>
+              <a:rPr lang="bg-BG" dirty="0"/>
+              <a:t>за движение наляво</a:t>
+            </a:r>
+          </a:p>
+          <a:p>
+            <a:pPr marL="285750" indent="-285750">
+              <a:buFont typeface="Arial" panose="020B0604020202020204" pitchFamily="34" charset="0"/>
+              <a:buChar char="•"/>
+            </a:pPr>
+            <a:r>
+              <a:rPr lang="en-US" dirty="0"/>
+              <a:t>PA7 – Output </a:t>
+            </a:r>
+            <a:r>
+              <a:rPr lang="bg-BG" dirty="0"/>
+              <a:t>за движение надясно</a:t>
+            </a:r>
+          </a:p>
+          <a:p>
+            <a:pPr marL="285750" indent="-285750">
+              <a:buFont typeface="Arial" panose="020B0604020202020204" pitchFamily="34" charset="0"/>
+              <a:buChar char="•"/>
+            </a:pPr>
+            <a:r>
+              <a:rPr lang="en-US" dirty="0"/>
+              <a:t>PB7 – Output </a:t>
+            </a:r>
+            <a:r>
+              <a:rPr lang="bg-BG" dirty="0"/>
+              <a:t>към мигач</a:t>
+            </a:r>
+          </a:p>
+          <a:p>
+            <a:pPr marL="285750" indent="-285750">
+              <a:buFont typeface="Arial" panose="020B0604020202020204" pitchFamily="34" charset="0"/>
+              <a:buChar char="•"/>
+            </a:pPr>
+            <a:r>
+              <a:rPr lang="en-US" dirty="0"/>
+              <a:t>PC15 – Output </a:t>
+            </a:r>
+            <a:r>
+              <a:rPr lang="bg-BG" dirty="0"/>
+              <a:t>за разрешаване на </a:t>
+            </a:r>
+            <a:r>
+              <a:rPr lang="en-US" dirty="0"/>
+              <a:t>SEL0 </a:t>
+            </a:r>
+            <a:r>
+              <a:rPr lang="bg-BG" dirty="0"/>
+              <a:t>и </a:t>
+            </a:r>
+            <a:r>
+              <a:rPr lang="en-US" dirty="0"/>
+              <a:t>PWM</a:t>
+            </a:r>
+            <a:r>
+              <a:rPr lang="bg-BG" dirty="0"/>
+              <a:t> на драйвера управляващ мотора за вертикално движение на стъклото</a:t>
+            </a:r>
+          </a:p>
+          <a:p>
+            <a:pPr marL="285750" indent="-285750">
+              <a:buFont typeface="Arial" panose="020B0604020202020204" pitchFamily="34" charset="0"/>
+              <a:buChar char="•"/>
+            </a:pPr>
+            <a:r>
+              <a:rPr lang="en-US" dirty="0"/>
+              <a:t>PC1</a:t>
+            </a:r>
+            <a:r>
+              <a:rPr lang="bg-BG" dirty="0"/>
+              <a:t>4</a:t>
+            </a:r>
+            <a:r>
+              <a:rPr lang="en-US" dirty="0"/>
+              <a:t> – Output </a:t>
+            </a:r>
+            <a:r>
+              <a:rPr lang="bg-BG" dirty="0"/>
+              <a:t>за разрешаване на </a:t>
+            </a:r>
+            <a:r>
+              <a:rPr lang="en-US" dirty="0"/>
+              <a:t>SEL0 </a:t>
+            </a:r>
+            <a:r>
+              <a:rPr lang="bg-BG" dirty="0"/>
+              <a:t>и </a:t>
+            </a:r>
+            <a:r>
+              <a:rPr lang="en-US" dirty="0"/>
+              <a:t>PWM</a:t>
+            </a:r>
+            <a:r>
+              <a:rPr lang="bg-BG" dirty="0"/>
+              <a:t> на драйвера управляващ мотора за хоризонтално движение на стъклото</a:t>
+            </a:r>
+          </a:p>
+          <a:p>
+            <a:pPr marL="285750" indent="-285750">
+              <a:buFont typeface="Arial" panose="020B0604020202020204" pitchFamily="34" charset="0"/>
+              <a:buChar char="•"/>
+            </a:pPr>
+            <a:endParaRPr lang="bg-BG" dirty="0"/>
+          </a:p>
+          <a:p>
+            <a:pPr marL="285750" indent="-285750">
+              <a:buFont typeface="Arial" panose="020B0604020202020204" pitchFamily="34" charset="0"/>
+              <a:buChar char="•"/>
+            </a:pPr>
+            <a:r>
+              <a:rPr lang="en-US" dirty="0"/>
+              <a:t>PC13 – Input </a:t>
+            </a:r>
+            <a:r>
+              <a:rPr lang="bg-BG" dirty="0"/>
+              <a:t>от джойстика за активиране на мигача</a:t>
+            </a:r>
+          </a:p>
+          <a:p>
+            <a:pPr marL="285750" indent="-285750">
+              <a:buFont typeface="Arial" panose="020B0604020202020204" pitchFamily="34" charset="0"/>
+              <a:buChar char="•"/>
+            </a:pPr>
+            <a:r>
+              <a:rPr lang="en-US" dirty="0"/>
+              <a:t>PB10 </a:t>
+            </a:r>
+            <a:r>
+              <a:rPr lang="bg-BG" dirty="0"/>
+              <a:t>– </a:t>
+            </a:r>
+            <a:r>
+              <a:rPr lang="en-US" dirty="0"/>
+              <a:t>Input </a:t>
+            </a:r>
+            <a:r>
+              <a:rPr lang="bg-BG" dirty="0"/>
+              <a:t>от джойстика за движение нагоре</a:t>
+            </a:r>
+          </a:p>
+          <a:p>
+            <a:pPr marL="285750" indent="-285750">
+              <a:buFont typeface="Arial" panose="020B0604020202020204" pitchFamily="34" charset="0"/>
+              <a:buChar char="•"/>
+            </a:pPr>
+            <a:r>
+              <a:rPr lang="en-US" dirty="0"/>
+              <a:t>PC5 – Input </a:t>
+            </a:r>
+            <a:r>
+              <a:rPr lang="bg-BG" dirty="0"/>
+              <a:t>от джойстика за движение надолу</a:t>
+            </a:r>
+          </a:p>
+          <a:p>
+            <a:pPr marL="285750" indent="-285750">
+              <a:buFont typeface="Arial" panose="020B0604020202020204" pitchFamily="34" charset="0"/>
+              <a:buChar char="•"/>
+            </a:pPr>
+            <a:r>
+              <a:rPr lang="en-US" dirty="0"/>
+              <a:t>PC4 – Input </a:t>
+            </a:r>
+            <a:r>
+              <a:rPr lang="bg-BG" dirty="0"/>
+              <a:t>от джойстика за движение наляво </a:t>
+            </a:r>
+          </a:p>
+          <a:p>
+            <a:pPr marL="285750" indent="-285750">
+              <a:buFont typeface="Arial" panose="020B0604020202020204" pitchFamily="34" charset="0"/>
+              <a:buChar char="•"/>
+            </a:pPr>
+            <a:r>
+              <a:rPr lang="en-US" dirty="0"/>
+              <a:t>PB2 – Input </a:t>
+            </a:r>
+            <a:r>
+              <a:rPr lang="bg-BG" dirty="0"/>
+              <a:t>от джойстика за движение надясно </a:t>
+            </a:r>
+          </a:p>
+          <a:p>
+            <a:pPr marL="285750" indent="-285750">
+              <a:buFont typeface="Arial" panose="020B0604020202020204" pitchFamily="34" charset="0"/>
+              <a:buChar char="•"/>
+            </a:pPr>
+            <a:endParaRPr lang="bg-BG" dirty="0"/>
+          </a:p>
+          <a:p>
+            <a:pPr marL="285750" indent="-285750">
+              <a:buFont typeface="Arial" panose="020B0604020202020204" pitchFamily="34" charset="0"/>
+              <a:buChar char="•"/>
+            </a:pPr>
+            <a:r>
+              <a:rPr lang="en-US" dirty="0"/>
+              <a:t>PC0 – </a:t>
+            </a:r>
+            <a:r>
+              <a:rPr lang="bg-BG" dirty="0"/>
+              <a:t>АЦП за определяне на хоризонталната позиция</a:t>
+            </a:r>
+          </a:p>
+          <a:p>
+            <a:pPr marL="285750" indent="-285750">
+              <a:buFont typeface="Arial" panose="020B0604020202020204" pitchFamily="34" charset="0"/>
+              <a:buChar char="•"/>
+            </a:pPr>
+            <a:r>
+              <a:rPr lang="en-US" dirty="0"/>
+              <a:t>PC1 – </a:t>
+            </a:r>
+            <a:r>
+              <a:rPr lang="bg-BG" dirty="0"/>
+              <a:t>АЦП за определяне на вертикалната позиция</a:t>
+            </a:r>
+            <a:endParaRPr lang="en-US" dirty="0"/>
           </a:p>
         </p:txBody>
       </p:sp>
     </p:spTree>
     <p:extLst>
       <p:ext uri="{BB962C8B-B14F-4D97-AF65-F5344CB8AC3E}">
-        <p14:creationId xmlns:p14="http://schemas.microsoft.com/office/powerpoint/2010/main" val="124297948"/>
+        <p14:creationId xmlns:p14="http://schemas.microsoft.com/office/powerpoint/2010/main" val="4258670173"/>
       </p:ext>
     </p:extLst>
   </p:cSld>
@@ -4996,10 +4676,41 @@
       </p:grpSpPr>
       <p:sp>
         <p:nvSpPr>
-          <p:cNvPr id="5" name="Content Placeholder 2">
-            <a:extLst>
-              <a:ext uri="{FF2B5EF4-FFF2-40B4-BE49-F238E27FC236}">
-                <a16:creationId xmlns:a16="http://schemas.microsoft.com/office/drawing/2014/main" id="{6D796D7B-2D4B-B357-6566-737CE439F21F}"/>
+          <p:cNvPr id="2" name="Title 1">
+            <a:extLst>
+              <a:ext uri="{FF2B5EF4-FFF2-40B4-BE49-F238E27FC236}">
+                <a16:creationId xmlns:a16="http://schemas.microsoft.com/office/drawing/2014/main" id="{709A524C-3D9D-29F0-0B1A-BE897A52BF1D}"/>
+              </a:ext>
+            </a:extLst>
+          </p:cNvPr>
+          <p:cNvSpPr>
+            <a:spLocks noGrp="1"/>
+          </p:cNvSpPr>
+          <p:nvPr>
+            <p:ph type="title"/>
+          </p:nvPr>
+        </p:nvSpPr>
+        <p:spPr/>
+        <p:txBody>
+          <a:bodyPr>
+            <a:normAutofit/>
+          </a:bodyPr>
+          <a:lstStyle/>
+          <a:p>
+            <a:r>
+              <a:rPr lang="bg-BG" sz="4000" dirty="0"/>
+              <a:t>2. Код.</a:t>
+            </a:r>
+            <a:endParaRPr lang="en-US" sz="4000" dirty="0"/>
+          </a:p>
+        </p:txBody>
+      </p:sp>
+      <p:sp>
+        <p:nvSpPr>
+          <p:cNvPr id="3" name="Content Placeholder 2">
+            <a:extLst>
+              <a:ext uri="{FF2B5EF4-FFF2-40B4-BE49-F238E27FC236}">
+                <a16:creationId xmlns:a16="http://schemas.microsoft.com/office/drawing/2014/main" id="{419C8B19-DAAA-ECB2-CAA5-30DC7A0A1678}"/>
               </a:ext>
             </a:extLst>
           </p:cNvPr>
@@ -5012,13 +4723,13 @@
         </p:nvSpPr>
         <p:spPr>
           <a:xfrm>
-            <a:off x="297024" y="261258"/>
+            <a:off x="297024" y="1446245"/>
             <a:ext cx="11597951" cy="5046630"/>
           </a:xfrm>
         </p:spPr>
         <p:txBody>
           <a:bodyPr>
-            <a:noAutofit/>
+            <a:normAutofit fontScale="55000" lnSpcReduction="20000"/>
           </a:bodyPr>
           <a:lstStyle/>
           <a:p>
@@ -5029,99 +4740,517 @@
               <a:buNone/>
             </a:pPr>
             <a:r>
-              <a:rPr lang="bg-BG" sz="2000" b="1" dirty="0"/>
-              <a:t>2.</a:t>
-            </a:r>
-            <a:r>
-              <a:rPr lang="en-US" sz="2000" b="1" dirty="0"/>
-              <a:t>3</a:t>
-            </a:r>
-            <a:r>
-              <a:rPr lang="bg-BG" sz="2000" b="1" dirty="0"/>
-              <a:t>. Функция за покой:</a:t>
-            </a:r>
-          </a:p>
-          <a:p>
-            <a:pPr marL="0" indent="0">
-              <a:buNone/>
-            </a:pPr>
-            <a:r>
-              <a:rPr lang="en-US" sz="1500" dirty="0">
+              <a:rPr lang="bg-BG" sz="3600" b="1" dirty="0"/>
+              <a:t>2.1. Дефиниции:</a:t>
+            </a:r>
+            <a:endParaRPr lang="bg-BG" sz="2700" b="1" dirty="0"/>
+          </a:p>
+          <a:p>
+            <a:pPr marL="0" indent="0">
+              <a:buNone/>
+            </a:pPr>
+            <a:r>
+              <a:rPr lang="en-US" dirty="0">
+                <a:solidFill>
+                  <a:srgbClr val="219D27"/>
+                </a:solidFill>
+              </a:rPr>
+              <a:t>/* USER CODE BEGIN Includes */</a:t>
+            </a:r>
+          </a:p>
+          <a:p>
+            <a:pPr marL="0" indent="0">
+              <a:buNone/>
+            </a:pPr>
+            <a:r>
+              <a:rPr lang="en-US" dirty="0">
                 <a:solidFill>
                   <a:srgbClr val="B831CF"/>
                 </a:solidFill>
               </a:rPr>
-              <a:t>void</a:t>
-            </a:r>
-            <a:r>
-              <a:rPr lang="en-US" sz="1500" dirty="0"/>
-              <a:t> DONT_MOVE(</a:t>
-            </a:r>
-            <a:r>
-              <a:rPr lang="en-US" sz="1500" dirty="0">
+              <a:t>#define </a:t>
+            </a:r>
+            <a:r>
+              <a:rPr lang="en-US" dirty="0"/>
+              <a:t>VREF_ADC </a:t>
+            </a:r>
+            <a:r>
+              <a:rPr lang="en-US" dirty="0">
+                <a:solidFill>
+                  <a:srgbClr val="0000FF"/>
+                </a:solidFill>
+              </a:rPr>
+              <a:t>3300</a:t>
+            </a:r>
+            <a:r>
+              <a:rPr lang="bg-BG" dirty="0"/>
+              <a:t> </a:t>
+            </a:r>
+            <a:r>
+              <a:rPr lang="bg-BG" dirty="0">
+                <a:solidFill>
+                  <a:srgbClr val="219D27"/>
+                </a:solidFill>
+              </a:rPr>
+              <a:t>//Дефинираме референтно напрежение</a:t>
+            </a:r>
+            <a:endParaRPr lang="en-US" dirty="0">
+              <a:solidFill>
+                <a:srgbClr val="219D27"/>
+              </a:solidFill>
+            </a:endParaRPr>
+          </a:p>
+          <a:p>
+            <a:pPr marL="0" indent="0">
+              <a:buNone/>
+            </a:pPr>
+            <a:r>
+              <a:rPr lang="en-US" dirty="0">
                 <a:solidFill>
                   <a:srgbClr val="B831CF"/>
                 </a:solidFill>
               </a:rPr>
-              <a:t>void</a:t>
-            </a:r>
-            <a:r>
-              <a:rPr lang="en-US" sz="1500" dirty="0"/>
-              <a:t>)</a:t>
-            </a:r>
-          </a:p>
-          <a:p>
-            <a:pPr marL="0" indent="0">
-              <a:buNone/>
-            </a:pPr>
-            <a:r>
-              <a:rPr lang="en-US" sz="1500" dirty="0"/>
-              <a:t>{</a:t>
-            </a:r>
-          </a:p>
-          <a:p>
-            <a:pPr marL="0" indent="0">
-              <a:buNone/>
-            </a:pPr>
-            <a:r>
-              <a:rPr lang="en-US" sz="1500" dirty="0"/>
-              <a:t>	HAL_GPIO_WritePin(GPIOB, GPIO_PIN_5, On);</a:t>
-            </a:r>
-          </a:p>
-          <a:p>
-            <a:pPr marL="0" indent="0">
-              <a:buNone/>
-            </a:pPr>
-            <a:r>
-              <a:rPr lang="en-US" sz="1500" dirty="0"/>
-              <a:t>	HAL_GPIO_WritePin(GPIOB, GPIO_PIN_9, On);</a:t>
-            </a:r>
-          </a:p>
-          <a:p>
-            <a:pPr marL="0" indent="0">
-              <a:buNone/>
-            </a:pPr>
-            <a:r>
-              <a:rPr lang="en-US" sz="1500" dirty="0"/>
-              <a:t>	HAL_GPIO_WritePin(GPIOA, GPIO_PIN_6, On);</a:t>
-            </a:r>
-          </a:p>
-          <a:p>
-            <a:pPr marL="0" indent="0">
-              <a:buNone/>
-            </a:pPr>
-            <a:r>
-              <a:rPr lang="en-US" sz="1500" dirty="0"/>
-              <a:t>	HAL_GPIO_WritePin(GPIOA, GPIO_PIN_7, On);</a:t>
-            </a:r>
-          </a:p>
-          <a:p>
-            <a:pPr marL="0" indent="0">
-              <a:buNone/>
-            </a:pPr>
-            <a:r>
-              <a:rPr lang="en-US" sz="1500" dirty="0"/>
-              <a:t>}</a:t>
+              <a:t>#define </a:t>
+            </a:r>
+            <a:r>
+              <a:rPr lang="en-US" dirty="0"/>
+              <a:t>RefrencePositionLeftRight </a:t>
+            </a:r>
+            <a:r>
+              <a:rPr lang="en-US" dirty="0">
+                <a:solidFill>
+                  <a:srgbClr val="0000FF"/>
+                </a:solidFill>
+              </a:rPr>
+              <a:t>2025</a:t>
+            </a:r>
+            <a:r>
+              <a:rPr lang="bg-BG" dirty="0"/>
+              <a:t> </a:t>
+            </a:r>
+            <a:r>
+              <a:rPr lang="bg-BG" dirty="0">
+                <a:solidFill>
+                  <a:srgbClr val="219D27"/>
+                </a:solidFill>
+              </a:rPr>
+              <a:t>//Дефиниране на хоризонтална централна позиция</a:t>
+            </a:r>
+            <a:endParaRPr lang="en-US" dirty="0">
+              <a:solidFill>
+                <a:srgbClr val="219D27"/>
+              </a:solidFill>
+            </a:endParaRPr>
+          </a:p>
+          <a:p>
+            <a:pPr marL="0" indent="0">
+              <a:buNone/>
+            </a:pPr>
+            <a:r>
+              <a:rPr lang="en-US" dirty="0">
+                <a:solidFill>
+                  <a:srgbClr val="B831CF"/>
+                </a:solidFill>
+              </a:rPr>
+              <a:t>#define </a:t>
+            </a:r>
+            <a:r>
+              <a:rPr lang="en-US" dirty="0"/>
+              <a:t>RefrencePositionUpDown </a:t>
+            </a:r>
+            <a:r>
+              <a:rPr lang="en-US" dirty="0">
+                <a:solidFill>
+                  <a:srgbClr val="0000FF"/>
+                </a:solidFill>
+              </a:rPr>
+              <a:t>2100</a:t>
+            </a:r>
+            <a:r>
+              <a:rPr lang="bg-BG" dirty="0">
+                <a:solidFill>
+                  <a:srgbClr val="00B050"/>
+                </a:solidFill>
+              </a:rPr>
+              <a:t> </a:t>
+            </a:r>
+            <a:r>
+              <a:rPr lang="bg-BG" dirty="0">
+                <a:solidFill>
+                  <a:srgbClr val="219D27"/>
+                </a:solidFill>
+              </a:rPr>
+              <a:t>//Дефиниране на вертикална централна позиция</a:t>
+            </a:r>
+            <a:endParaRPr lang="en-US" dirty="0">
+              <a:solidFill>
+                <a:srgbClr val="219D27"/>
+              </a:solidFill>
+            </a:endParaRPr>
+          </a:p>
+          <a:p>
+            <a:pPr marL="0" indent="0">
+              <a:buNone/>
+            </a:pPr>
+            <a:r>
+              <a:rPr lang="en-US" dirty="0">
+                <a:solidFill>
+                  <a:srgbClr val="B831CF"/>
+                </a:solidFill>
+              </a:rPr>
+              <a:t>#define </a:t>
+            </a:r>
+            <a:r>
+              <a:rPr lang="en-US" dirty="0"/>
+              <a:t>Hys </a:t>
+            </a:r>
+            <a:r>
+              <a:rPr lang="en-US" dirty="0">
+                <a:solidFill>
+                  <a:srgbClr val="0000FF"/>
+                </a:solidFill>
+              </a:rPr>
+              <a:t>10</a:t>
+            </a:r>
+            <a:r>
+              <a:rPr lang="bg-BG" dirty="0"/>
+              <a:t> </a:t>
+            </a:r>
+            <a:r>
+              <a:rPr lang="bg-BG" dirty="0">
+                <a:solidFill>
+                  <a:srgbClr val="219D27"/>
+                </a:solidFill>
+              </a:rPr>
+              <a:t>//Дефиниране на хистерезис</a:t>
+            </a:r>
+            <a:endParaRPr lang="en-US" dirty="0">
+              <a:solidFill>
+                <a:srgbClr val="219D27"/>
+              </a:solidFill>
+            </a:endParaRPr>
+          </a:p>
+          <a:p>
+            <a:pPr marL="0" indent="0">
+              <a:buNone/>
+            </a:pPr>
+            <a:r>
+              <a:rPr lang="en-US" dirty="0">
+                <a:solidFill>
+                  <a:srgbClr val="B831CF"/>
+                </a:solidFill>
+              </a:rPr>
+              <a:t>#define </a:t>
+            </a:r>
+            <a:r>
+              <a:rPr lang="en-US" dirty="0"/>
+              <a:t>On GPIO_PIN_RESET</a:t>
+            </a:r>
+            <a:r>
+              <a:rPr lang="bg-BG" dirty="0"/>
+              <a:t> </a:t>
+            </a:r>
+            <a:r>
+              <a:rPr lang="bg-BG" dirty="0">
+                <a:solidFill>
+                  <a:srgbClr val="219D27"/>
+                </a:solidFill>
+              </a:rPr>
+              <a:t>//Дефиниция за улеснение</a:t>
+            </a:r>
+            <a:endParaRPr lang="en-US" dirty="0">
+              <a:solidFill>
+                <a:srgbClr val="219D27"/>
+              </a:solidFill>
+            </a:endParaRPr>
+          </a:p>
+          <a:p>
+            <a:pPr marL="0" indent="0">
+              <a:buNone/>
+            </a:pPr>
+            <a:r>
+              <a:rPr lang="en-US" dirty="0">
+                <a:solidFill>
+                  <a:srgbClr val="B831CF"/>
+                </a:solidFill>
+              </a:rPr>
+              <a:t>#define </a:t>
+            </a:r>
+            <a:r>
+              <a:rPr lang="en-US" dirty="0"/>
+              <a:t>Off GPIO_PIN_SET</a:t>
+            </a:r>
+            <a:r>
+              <a:rPr lang="bg-BG" dirty="0"/>
+              <a:t> </a:t>
+            </a:r>
+            <a:r>
+              <a:rPr lang="bg-BG" dirty="0">
+                <a:solidFill>
+                  <a:srgbClr val="219D27"/>
+                </a:solidFill>
+              </a:rPr>
+              <a:t>//Дефиниция за улеснение</a:t>
+            </a:r>
+            <a:endParaRPr lang="en-US" dirty="0">
+              <a:solidFill>
+                <a:srgbClr val="219D27"/>
+              </a:solidFill>
+            </a:endParaRPr>
+          </a:p>
+          <a:p>
+            <a:pPr marL="0" indent="0">
+              <a:buNone/>
+            </a:pPr>
+            <a:r>
+              <a:rPr lang="en-US" dirty="0">
+                <a:solidFill>
+                  <a:srgbClr val="B831CF"/>
+                </a:solidFill>
+              </a:rPr>
+              <a:t>#define </a:t>
+            </a:r>
+            <a:r>
+              <a:rPr lang="en-US" dirty="0"/>
+              <a:t>Button_Click() HAL_GPIO_ReadPin(GPIOC, GPIO_PIN_13)</a:t>
+            </a:r>
+            <a:r>
+              <a:rPr lang="bg-BG" dirty="0"/>
+              <a:t> </a:t>
+            </a:r>
+            <a:r>
+              <a:rPr lang="bg-BG" dirty="0">
+                <a:solidFill>
+                  <a:srgbClr val="219D27"/>
+                </a:solidFill>
+              </a:rPr>
+              <a:t>//Дефиниция за натиснат бутон на джойстика на контролера</a:t>
+            </a:r>
+            <a:endParaRPr lang="en-US" dirty="0">
+              <a:solidFill>
+                <a:srgbClr val="219D27"/>
+              </a:solidFill>
+            </a:endParaRPr>
+          </a:p>
+          <a:p>
+            <a:pPr marL="0" indent="0">
+              <a:buNone/>
+            </a:pPr>
+            <a:r>
+              <a:rPr lang="en-US" dirty="0">
+                <a:solidFill>
+                  <a:srgbClr val="B831CF"/>
+                </a:solidFill>
+              </a:rPr>
+              <a:t>#define </a:t>
+            </a:r>
+            <a:r>
+              <a:rPr lang="en-US" dirty="0"/>
+              <a:t>Button_Up() HAL_GPIO_ReadPin(GPIOB, GPIO_PIN_10)</a:t>
+            </a:r>
+            <a:r>
+              <a:rPr lang="bg-BG" dirty="0"/>
+              <a:t> </a:t>
+            </a:r>
+            <a:r>
+              <a:rPr lang="bg-BG" dirty="0">
+                <a:solidFill>
+                  <a:srgbClr val="219D27"/>
+                </a:solidFill>
+              </a:rPr>
+              <a:t>//Дефиниция за позиция на джойстика нагоре</a:t>
+            </a:r>
+            <a:endParaRPr lang="en-US" dirty="0">
+              <a:solidFill>
+                <a:srgbClr val="219D27"/>
+              </a:solidFill>
+            </a:endParaRPr>
+          </a:p>
+          <a:p>
+            <a:pPr marL="0" indent="0">
+              <a:buNone/>
+            </a:pPr>
+            <a:r>
+              <a:rPr lang="en-US" dirty="0">
+                <a:solidFill>
+                  <a:srgbClr val="B831CF"/>
+                </a:solidFill>
+              </a:rPr>
+              <a:t>#define </a:t>
+            </a:r>
+            <a:r>
+              <a:rPr lang="en-US" dirty="0"/>
+              <a:t>Button_Down() HAL_GPIO_ReadPin(GPIOC, GPIO_PIN_5)</a:t>
+            </a:r>
+            <a:r>
+              <a:rPr lang="bg-BG" dirty="0"/>
+              <a:t> </a:t>
+            </a:r>
+            <a:r>
+              <a:rPr lang="bg-BG" dirty="0">
+                <a:solidFill>
+                  <a:srgbClr val="219D27"/>
+                </a:solidFill>
+              </a:rPr>
+              <a:t>//Дефиниция за позиция на джойстика надолу</a:t>
+            </a:r>
+            <a:endParaRPr lang="en-US" dirty="0">
+              <a:solidFill>
+                <a:srgbClr val="219D27"/>
+              </a:solidFill>
+            </a:endParaRPr>
+          </a:p>
+          <a:p>
+            <a:pPr marL="0" indent="0">
+              <a:buNone/>
+            </a:pPr>
+            <a:r>
+              <a:rPr lang="en-US" dirty="0">
+                <a:solidFill>
+                  <a:srgbClr val="B831CF"/>
+                </a:solidFill>
+              </a:rPr>
+              <a:t>#define </a:t>
+            </a:r>
+            <a:r>
+              <a:rPr lang="en-US" dirty="0"/>
+              <a:t>Button_Left() HAL_GPIO_ReadPin(GPIOC, GPIO_PIN_4)</a:t>
+            </a:r>
+            <a:r>
+              <a:rPr lang="bg-BG" dirty="0">
+                <a:solidFill>
+                  <a:srgbClr val="3F7F5F"/>
+                </a:solidFill>
+              </a:rPr>
+              <a:t> </a:t>
+            </a:r>
+            <a:r>
+              <a:rPr lang="bg-BG" dirty="0">
+                <a:solidFill>
+                  <a:srgbClr val="219D27"/>
+                </a:solidFill>
+              </a:rPr>
+              <a:t>//Дефиниция за позиция на джойстика наляво</a:t>
+            </a:r>
+            <a:endParaRPr lang="en-US" dirty="0">
+              <a:solidFill>
+                <a:srgbClr val="219D27"/>
+              </a:solidFill>
+            </a:endParaRPr>
+          </a:p>
+          <a:p>
+            <a:pPr marL="0" indent="0">
+              <a:buNone/>
+            </a:pPr>
+            <a:r>
+              <a:rPr lang="en-US" dirty="0">
+                <a:solidFill>
+                  <a:srgbClr val="B831CF"/>
+                </a:solidFill>
+              </a:rPr>
+              <a:t>#define </a:t>
+            </a:r>
+            <a:r>
+              <a:rPr lang="en-US" dirty="0"/>
+              <a:t>Button_Right() HAL_GPIO_ReadPin(GPIOB, GPIO_PIN_2)</a:t>
+            </a:r>
+            <a:r>
+              <a:rPr lang="bg-BG" dirty="0"/>
+              <a:t> </a:t>
+            </a:r>
+            <a:r>
+              <a:rPr lang="bg-BG" dirty="0">
+                <a:solidFill>
+                  <a:srgbClr val="219D27"/>
+                </a:solidFill>
+              </a:rPr>
+              <a:t>//Дефиниция за позиция на джойстика надясно</a:t>
+            </a:r>
+            <a:endParaRPr lang="en-US" dirty="0">
+              <a:solidFill>
+                <a:srgbClr val="219D27"/>
+              </a:solidFill>
+            </a:endParaRPr>
+          </a:p>
+          <a:p>
+            <a:pPr marL="0" indent="0">
+              <a:buNone/>
+            </a:pPr>
+            <a:r>
+              <a:rPr lang="en-US" dirty="0">
+                <a:solidFill>
+                  <a:srgbClr val="B831CF"/>
+                </a:solidFill>
+              </a:rPr>
+              <a:t>#define </a:t>
+            </a:r>
+            <a:r>
+              <a:rPr lang="en-US" dirty="0"/>
+              <a:t>Blinker_On() HAL_GPIO_WritePin(GPIOB, GPIO_PIN_7, Off)</a:t>
+            </a:r>
+            <a:r>
+              <a:rPr lang="bg-BG" dirty="0"/>
+              <a:t> </a:t>
+            </a:r>
+            <a:r>
+              <a:rPr lang="bg-BG" dirty="0">
+                <a:solidFill>
+                  <a:srgbClr val="219D27"/>
+                </a:solidFill>
+              </a:rPr>
+              <a:t>//Дефиниция за включено състояние на мигача</a:t>
+            </a:r>
+            <a:endParaRPr lang="en-US" dirty="0">
+              <a:solidFill>
+                <a:srgbClr val="219D27"/>
+              </a:solidFill>
+            </a:endParaRPr>
+          </a:p>
+          <a:p>
+            <a:pPr marL="0" indent="0">
+              <a:buNone/>
+            </a:pPr>
+            <a:r>
+              <a:rPr lang="en-US" dirty="0">
+                <a:solidFill>
+                  <a:srgbClr val="B831CF"/>
+                </a:solidFill>
+              </a:rPr>
+              <a:t>#define </a:t>
+            </a:r>
+            <a:r>
+              <a:rPr lang="en-US" dirty="0"/>
+              <a:t>Blinker_Off() HAL_GPIO_WritePin(GPIOB, GPIO_PIN_7, On)</a:t>
+            </a:r>
+            <a:r>
+              <a:rPr lang="bg-BG" dirty="0"/>
+              <a:t> </a:t>
+            </a:r>
+            <a:r>
+              <a:rPr lang="bg-BG" dirty="0">
+                <a:solidFill>
+                  <a:srgbClr val="219D27"/>
+                </a:solidFill>
+              </a:rPr>
+              <a:t>//Дефиниция за изключено състояние на мигача</a:t>
+            </a:r>
+            <a:endParaRPr lang="en-US" dirty="0">
+              <a:solidFill>
+                <a:srgbClr val="219D27"/>
+              </a:solidFill>
+            </a:endParaRPr>
+          </a:p>
+          <a:p>
+            <a:pPr marL="0" indent="0">
+              <a:buNone/>
+            </a:pPr>
+            <a:r>
+              <a:rPr lang="en-US" dirty="0">
+                <a:solidFill>
+                  <a:srgbClr val="219D27"/>
+                </a:solidFill>
+              </a:rPr>
+              <a:t>/* USER CODE END Includes */</a:t>
             </a:r>
           </a:p>
         </p:txBody>
@@ -5129,7 +5258,7 @@
     </p:spTree>
     <p:extLst>
       <p:ext uri="{BB962C8B-B14F-4D97-AF65-F5344CB8AC3E}">
-        <p14:creationId xmlns:p14="http://schemas.microsoft.com/office/powerpoint/2010/main" val="393775202"/>
+        <p14:creationId xmlns:p14="http://schemas.microsoft.com/office/powerpoint/2010/main" val="1855440915"/>
       </p:ext>
     </p:extLst>
   </p:cSld>
@@ -5161,7 +5290,7 @@
           <p:cNvPr id="4" name="Content Placeholder 2">
             <a:extLst>
               <a:ext uri="{FF2B5EF4-FFF2-40B4-BE49-F238E27FC236}">
-                <a16:creationId xmlns:a16="http://schemas.microsoft.com/office/drawing/2014/main" id="{5D90AECE-DD02-1C46-029A-96EA96F7E242}"/>
+                <a16:creationId xmlns:a16="http://schemas.microsoft.com/office/drawing/2014/main" id="{A10D12B7-0B49-6DA3-9B60-626A77E2FD65}"/>
               </a:ext>
             </a:extLst>
           </p:cNvPr>
@@ -5174,15 +5303,24 @@
         </p:nvSpPr>
         <p:spPr>
           <a:xfrm>
-            <a:off x="297024" y="261259"/>
-            <a:ext cx="11597951" cy="6232848"/>
+            <a:off x="297024" y="345232"/>
+            <a:ext cx="11597951" cy="6512767"/>
           </a:xfrm>
         </p:spPr>
         <p:txBody>
           <a:bodyPr numCol="2">
-            <a:noAutofit/>
+            <a:normAutofit fontScale="85000" lnSpcReduction="20000"/>
           </a:bodyPr>
           <a:lstStyle/>
+          <a:p>
+            <a:pPr marL="0" indent="0">
+              <a:buNone/>
+            </a:pPr>
+            <a:r>
+              <a:rPr lang="bg-BG" sz="2400" b="1" dirty="0"/>
+              <a:t>2.2. Функции за движение на стъклото:</a:t>
+            </a:r>
+          </a:p>
           <a:p>
             <a:pPr marL="0" indent="0">
               <a:spcAft>
@@ -5191,33 +5329,16 @@
               <a:buNone/>
             </a:pPr>
             <a:r>
-              <a:rPr lang="bg-BG" sz="2000" b="1" dirty="0"/>
-              <a:t>2.</a:t>
-            </a:r>
-            <a:r>
-              <a:rPr lang="en-US" sz="2000" b="1" dirty="0"/>
-              <a:t>4</a:t>
-            </a:r>
-            <a:r>
-              <a:rPr lang="bg-BG" sz="2000" b="1" dirty="0"/>
-              <a:t>. Функции за измерване на позицията </a:t>
-            </a:r>
-          </a:p>
-          <a:p>
-            <a:pPr marL="0" indent="0">
-              <a:buNone/>
-            </a:pPr>
-            <a:r>
-              <a:rPr lang="bg-BG" sz="1600" b="1" dirty="0"/>
-              <a:t>2.4.1. Функция за измерване на позицията хоризонтално</a:t>
-            </a:r>
-          </a:p>
-          <a:p>
-            <a:pPr marL="0" indent="0">
-              <a:buNone/>
-            </a:pPr>
-            <a:r>
-              <a:rPr lang="en-US" sz="1500" dirty="0">
+              <a:rPr lang="bg-BG" sz="1900" b="1" dirty="0"/>
+              <a:t>2.2.1. Функция за движение нагоре:</a:t>
+            </a:r>
+          </a:p>
+          <a:p>
+            <a:pPr marL="0" indent="0">
+              <a:buNone/>
+            </a:pPr>
+            <a:r>
+              <a:rPr lang="en-US" sz="1800" dirty="0">
                 <a:solidFill>
                   <a:srgbClr val="B831CF"/>
                 </a:solidFill>
@@ -5225,168 +5346,11 @@
               <a:t>void</a:t>
             </a:r>
             <a:r>
-              <a:rPr lang="en-US" sz="1500" dirty="0"/>
-              <a:t> MeasureADCLR(</a:t>
-            </a:r>
-            <a:r>
-              <a:rPr lang="en-US" sz="1500" dirty="0">
-                <a:solidFill>
-                  <a:srgbClr val="B831CF"/>
-                </a:solidFill>
-              </a:rPr>
-              <a:t>float</a:t>
-            </a:r>
-            <a:r>
-              <a:rPr lang="en-US" sz="1500" dirty="0"/>
-              <a:t>* value)</a:t>
-            </a:r>
-          </a:p>
-          <a:p>
-            <a:pPr marL="0" indent="0">
-              <a:buNone/>
-            </a:pPr>
-            <a:r>
-              <a:rPr lang="en-US" sz="1500" dirty="0"/>
-              <a:t>{</a:t>
-            </a:r>
-          </a:p>
-          <a:p>
-            <a:pPr marL="0" indent="0">
-              <a:buNone/>
-            </a:pPr>
-            <a:r>
-              <a:rPr lang="en-US" sz="1500" dirty="0"/>
-              <a:t>	uint16_t valueraw=0;</a:t>
-            </a:r>
-          </a:p>
-          <a:p>
-            <a:pPr marL="0" indent="0">
-              <a:buNone/>
-            </a:pPr>
-            <a:r>
-              <a:rPr lang="en-US" sz="1500" dirty="0"/>
-              <a:t>	HAL_ADC_Start(&amp;hadc1);</a:t>
-            </a:r>
-          </a:p>
-          <a:p>
-            <a:pPr marL="0" indent="0">
-              <a:buNone/>
-            </a:pPr>
-            <a:r>
-              <a:rPr lang="en-US" sz="1500" dirty="0"/>
-              <a:t>	while(HAL_ADC_PollForConversion(&amp;hadc1, HAL_MAX_DELAY)!= HAL_OK)</a:t>
-            </a:r>
-          </a:p>
-          <a:p>
-            <a:pPr marL="0" indent="0">
-              <a:buNone/>
-            </a:pPr>
-            <a:r>
-              <a:rPr lang="en-US" sz="1500" dirty="0"/>
-              <a:t>	{</a:t>
-            </a:r>
-            <a:r>
-              <a:rPr lang="bg-BG" sz="1500" dirty="0"/>
-              <a:t> </a:t>
-            </a:r>
-            <a:r>
-              <a:rPr lang="en-US" sz="1500" dirty="0"/>
-              <a:t>}</a:t>
-            </a:r>
-          </a:p>
-          <a:p>
-            <a:pPr marL="0" indent="0">
-              <a:buNone/>
-            </a:pPr>
-            <a:r>
-              <a:rPr lang="en-US" sz="1500" dirty="0"/>
-              <a:t>	valueraw=HAL_ADC_GetValue(&amp;hadc1);</a:t>
-            </a:r>
-          </a:p>
-          <a:p>
-            <a:pPr marL="0" indent="0">
-              <a:buNone/>
-            </a:pPr>
-            <a:r>
-              <a:rPr lang="en-US" sz="1500" dirty="0"/>
-              <a:t>	*value=__HAL_ADC_CALC_DATA_TO_VOLTAGE(VREF_ADC,</a:t>
-            </a:r>
-            <a:endParaRPr lang="bg-BG" sz="1500" dirty="0"/>
-          </a:p>
-          <a:p>
-            <a:pPr marL="0" indent="0">
-              <a:buNone/>
-            </a:pPr>
-            <a:r>
-              <a:rPr lang="en-US" sz="1500" dirty="0"/>
-              <a:t>valueraw,ADC_RESOLUTION_12B);</a:t>
-            </a:r>
-          </a:p>
-          <a:p>
-            <a:pPr marL="0" indent="0">
-              <a:buNone/>
-            </a:pPr>
-            <a:r>
-              <a:rPr lang="en-US" sz="1500" dirty="0"/>
-              <a:t>}</a:t>
-            </a:r>
-            <a:endParaRPr lang="bg-BG" sz="1500" dirty="0"/>
-          </a:p>
-          <a:p>
-            <a:pPr marL="0" indent="0">
-              <a:buNone/>
-            </a:pPr>
-            <a:endParaRPr lang="bg-BG" sz="1600" b="1" dirty="0"/>
-          </a:p>
-          <a:p>
-            <a:pPr marL="0" indent="0">
-              <a:buNone/>
-            </a:pPr>
-            <a:endParaRPr lang="bg-BG" sz="1600" b="1" dirty="0"/>
-          </a:p>
-          <a:p>
-            <a:pPr marL="0" indent="0">
-              <a:buNone/>
-            </a:pPr>
-            <a:endParaRPr lang="bg-BG" sz="1600" b="1" dirty="0"/>
-          </a:p>
-          <a:p>
-            <a:pPr marL="0" indent="0">
-              <a:buNone/>
-            </a:pPr>
-            <a:endParaRPr lang="bg-BG" sz="1600" b="1" dirty="0"/>
-          </a:p>
-          <a:p>
-            <a:pPr marL="0" indent="0">
-              <a:buNone/>
-            </a:pPr>
-            <a:endParaRPr lang="bg-BG" sz="1600" b="1" dirty="0"/>
-          </a:p>
-          <a:p>
-            <a:pPr marL="0" indent="0">
-              <a:spcAft>
-                <a:spcPts val="600"/>
-              </a:spcAft>
-              <a:buNone/>
-            </a:pPr>
-            <a:endParaRPr lang="bg-BG" sz="2000" b="1" dirty="0"/>
-          </a:p>
-          <a:p>
-            <a:pPr marL="0" indent="0">
-              <a:buNone/>
-            </a:pPr>
-            <a:r>
-              <a:rPr lang="bg-BG" sz="1600" b="1" dirty="0"/>
-              <a:t>2.4.2. Функция за измерване на позицията вертикално</a:t>
-            </a:r>
-            <a:endParaRPr lang="en-US" sz="1600" dirty="0"/>
-          </a:p>
-          <a:p>
-            <a:pPr marL="0" indent="0">
-              <a:buNone/>
-            </a:pPr>
-            <a:r>
-              <a:rPr lang="en-US" sz="1500" dirty="0">
+              <a:rPr lang="en-US" sz="1800" dirty="0"/>
+              <a:t> Move_UP(</a:t>
+            </a:r>
+            <a:r>
+              <a:rPr lang="en-US" sz="1800" dirty="0">
                 <a:solidFill>
                   <a:srgbClr val="B831CF"/>
                 </a:solidFill>
@@ -5394,28 +5358,130 @@
               <a:t>void</a:t>
             </a:r>
             <a:r>
-              <a:rPr lang="en-US" sz="1500" dirty="0"/>
-              <a:t> MeasureADCUD(</a:t>
-            </a:r>
-            <a:r>
-              <a:rPr lang="en-US" sz="1500" dirty="0">
+              <a:rPr lang="en-US" sz="1800" dirty="0"/>
+              <a:t>)</a:t>
+            </a:r>
+          </a:p>
+          <a:p>
+            <a:pPr marL="0" indent="0">
+              <a:buNone/>
+            </a:pPr>
+            <a:r>
+              <a:rPr lang="en-US" sz="1800" dirty="0"/>
+              <a:t>{</a:t>
+            </a:r>
+          </a:p>
+          <a:p>
+            <a:pPr marL="0" indent="0">
+              <a:buNone/>
+            </a:pPr>
+            <a:r>
+              <a:rPr lang="en-US" sz="1800" dirty="0"/>
+              <a:t>                     HAL_GPIO_WritePin(GPIOB, GPIO_PIN_5, Off);</a:t>
+            </a:r>
+          </a:p>
+          <a:p>
+            <a:pPr marL="0" indent="0">
+              <a:buNone/>
+            </a:pPr>
+            <a:r>
+              <a:rPr lang="en-US" sz="1800" dirty="0"/>
+              <a:t>	HAL_GPIO_WritePin(GPIOB, GPIO_PIN_9, On);</a:t>
+            </a:r>
+          </a:p>
+          <a:p>
+            <a:pPr marL="0" indent="0">
+              <a:buNone/>
+            </a:pPr>
+            <a:r>
+              <a:rPr lang="en-US" sz="1800" dirty="0"/>
+              <a:t>	HAL_GPIO_WritePin(GPIOA, GPIO_PIN_6, On);</a:t>
+            </a:r>
+          </a:p>
+          <a:p>
+            <a:pPr marL="0" indent="0">
+              <a:buNone/>
+            </a:pPr>
+            <a:r>
+              <a:rPr lang="en-US" sz="1800" dirty="0"/>
+              <a:t>	HAL_GPIO_WritePin(GPIOA, GPIO_PIN_7, On);</a:t>
+            </a:r>
+          </a:p>
+          <a:p>
+            <a:pPr marL="0" indent="0">
+              <a:buNone/>
+            </a:pPr>
+            <a:r>
+              <a:rPr lang="en-US" sz="1800" dirty="0"/>
+              <a:t>	HAL_GPIO_WritePin(GPIOC, GPIO_PIN_14, On);</a:t>
+            </a:r>
+          </a:p>
+          <a:p>
+            <a:pPr marL="0" indent="0">
+              <a:buNone/>
+            </a:pPr>
+            <a:r>
+              <a:rPr lang="en-US" sz="1800" dirty="0"/>
+              <a:t>	HAL_GPIO_WritePin(GPIOC, GPIO_PIN_15, Off);</a:t>
+            </a:r>
+          </a:p>
+          <a:p>
+            <a:pPr marL="0" indent="0">
+              <a:buNone/>
+            </a:pPr>
+            <a:r>
+              <a:rPr lang="en-US" sz="1800" dirty="0"/>
+              <a:t>}</a:t>
+            </a:r>
+            <a:endParaRPr lang="bg-BG" sz="1800" dirty="0"/>
+          </a:p>
+          <a:p>
+            <a:pPr marL="0" indent="0">
+              <a:spcAft>
+                <a:spcPts val="600"/>
+              </a:spcAft>
+              <a:buNone/>
+            </a:pPr>
+            <a:r>
+              <a:rPr lang="bg-BG" sz="1900" b="1" dirty="0"/>
+              <a:t>2.2.2. Функция за движение нагоре:</a:t>
+            </a:r>
+          </a:p>
+          <a:p>
+            <a:pPr marL="0" indent="0">
+              <a:buNone/>
+            </a:pPr>
+            <a:r>
+              <a:rPr lang="en-US" sz="1800" dirty="0">
                 <a:solidFill>
                   <a:srgbClr val="B831CF"/>
                 </a:solidFill>
               </a:rPr>
-              <a:t>float</a:t>
-            </a:r>
-            <a:r>
-              <a:rPr lang="en-US" sz="1500" dirty="0"/>
-              <a:t>* value)</a:t>
-            </a:r>
-          </a:p>
-          <a:p>
-            <a:pPr marL="0" indent="0">
-              <a:buNone/>
-            </a:pPr>
-            <a:r>
-              <a:rPr lang="en-US" sz="1500" dirty="0"/>
+              <a:t>void</a:t>
+            </a:r>
+            <a:r>
+              <a:rPr lang="en-US" sz="1800" dirty="0"/>
+              <a:t> Move_DOWN(</a:t>
+            </a:r>
+            <a:r>
+              <a:rPr lang="en-US" sz="1800" dirty="0">
+                <a:solidFill>
+                  <a:srgbClr val="B831CF"/>
+                </a:solidFill>
+              </a:rPr>
+              <a:t>void</a:t>
+            </a:r>
+            <a:r>
+              <a:rPr lang="en-US" sz="1800" dirty="0"/>
+              <a:t>)</a:t>
+            </a:r>
+          </a:p>
+          <a:p>
+            <a:pPr marL="0" indent="0">
+              <a:buNone/>
+            </a:pPr>
+            <a:r>
+              <a:rPr lang="en-US" sz="1800" dirty="0"/>
               <a:t>{</a:t>
             </a:r>
           </a:p>
@@ -5424,88 +5490,305 @@
               <a:buNone/>
             </a:pPr>
             <a:r>
-              <a:rPr lang="en-US" sz="1500" dirty="0"/>
-              <a:t>	uint16_t valueraw=0;</a:t>
-            </a:r>
-          </a:p>
-          <a:p>
-            <a:pPr marL="0" indent="0">
-              <a:buNone/>
-            </a:pPr>
-            <a:r>
-              <a:rPr lang="en-US" sz="1500" dirty="0"/>
-              <a:t>	HAL_ADC_Start(&amp;hadc2);</a:t>
-            </a:r>
-          </a:p>
-          <a:p>
-            <a:pPr marL="0" indent="0">
-              <a:buNone/>
-            </a:pPr>
-            <a:r>
-              <a:rPr lang="en-US" sz="1500" dirty="0"/>
-              <a:t>	while(HAL_ADC_PollForConversion(&amp;hadc2, HAL_MAX_DELAY)!= HAL_OK)</a:t>
-            </a:r>
-          </a:p>
-          <a:p>
-            <a:pPr marL="0" indent="0">
-              <a:buNone/>
-            </a:pPr>
-            <a:r>
-              <a:rPr lang="en-US" sz="1500" dirty="0"/>
-              <a:t>	{</a:t>
-            </a:r>
-            <a:r>
-              <a:rPr lang="bg-BG" sz="1500" dirty="0"/>
-              <a:t> </a:t>
-            </a:r>
-            <a:r>
-              <a:rPr lang="en-US" sz="1500" dirty="0"/>
+              <a:rPr lang="en-US" sz="1800" dirty="0"/>
+              <a:t>	HAL_GPIO_WritePin(GPIOB, GPIO_PIN_9, Off);</a:t>
+            </a:r>
+          </a:p>
+          <a:p>
+            <a:pPr marL="0" indent="0">
+              <a:buNone/>
+            </a:pPr>
+            <a:r>
+              <a:rPr lang="en-US" sz="1800" dirty="0"/>
+              <a:t>	HAL_GPIO_WritePin(GPIOB, GPIO_PIN_5, On);</a:t>
+            </a:r>
+          </a:p>
+          <a:p>
+            <a:pPr marL="0" indent="0">
+              <a:buNone/>
+            </a:pPr>
+            <a:r>
+              <a:rPr lang="en-US" sz="1800" dirty="0"/>
+              <a:t>	HAL_GPIO_WritePin(GPIOA, GPIO_PIN_6, On);</a:t>
+            </a:r>
+          </a:p>
+          <a:p>
+            <a:pPr marL="0" indent="0">
+              <a:buNone/>
+            </a:pPr>
+            <a:r>
+              <a:rPr lang="en-US" sz="1800" dirty="0"/>
+              <a:t>	HAL_GPIO_WritePin(GPIOA, GPIO_PIN_7, On);</a:t>
+            </a:r>
+          </a:p>
+          <a:p>
+            <a:pPr marL="0" indent="0">
+              <a:buNone/>
+            </a:pPr>
+            <a:r>
+              <a:rPr lang="en-US" sz="1800" dirty="0"/>
+              <a:t>	HAL_GPIO_WritePin(GPIOC, GPIO_PIN_14, On);</a:t>
+            </a:r>
+          </a:p>
+          <a:p>
+            <a:pPr marL="0" indent="0">
+              <a:buNone/>
+            </a:pPr>
+            <a:r>
+              <a:rPr lang="en-US" sz="1800" dirty="0"/>
+              <a:t>	HAL_GPIO_WritePin(GPIOC, GPIO_PIN_15, Off);</a:t>
+            </a:r>
+          </a:p>
+          <a:p>
+            <a:pPr marL="0" indent="0">
+              <a:buNone/>
+            </a:pPr>
+            <a:r>
+              <a:rPr lang="en-US" sz="1800" dirty="0"/>
               <a:t>}</a:t>
             </a:r>
-          </a:p>
-          <a:p>
-            <a:pPr marL="0" indent="0">
-              <a:buNone/>
-            </a:pPr>
-            <a:r>
-              <a:rPr lang="en-US" sz="1500" dirty="0"/>
-              <a:t>	valueraw=HAL_ADC_GetValue(&amp;hadc2);</a:t>
-            </a:r>
-          </a:p>
-          <a:p>
-            <a:pPr marL="0" indent="0">
-              <a:buNone/>
-            </a:pPr>
-            <a:r>
-              <a:rPr lang="en-US" sz="1500" dirty="0"/>
-              <a:t>	*value=__HAL_ADC_CALC_DATA_TO_VOLTAGE(VREF_ADC,</a:t>
-            </a:r>
-            <a:endParaRPr lang="bg-BG" sz="1500" dirty="0"/>
-          </a:p>
-          <a:p>
-            <a:pPr marL="0" indent="0">
-              <a:buNone/>
-            </a:pPr>
-            <a:r>
-              <a:rPr lang="en-US" sz="1500" dirty="0"/>
-              <a:t>valueraw,ADC_RESOLUTION_12B);</a:t>
-            </a:r>
-          </a:p>
-          <a:p>
-            <a:pPr marL="0" indent="0">
-              <a:buNone/>
-            </a:pPr>
-            <a:r>
-              <a:rPr lang="en-US" sz="1500" dirty="0"/>
+            <a:endParaRPr lang="bg-BG" sz="1800" dirty="0"/>
+          </a:p>
+          <a:p>
+            <a:pPr marL="0" indent="0">
+              <a:buNone/>
+            </a:pPr>
+            <a:endParaRPr lang="bg-BG" sz="2400" dirty="0"/>
+          </a:p>
+          <a:p>
+            <a:pPr marL="0" indent="0">
+              <a:spcAft>
+                <a:spcPts val="600"/>
+              </a:spcAft>
+              <a:buNone/>
+            </a:pPr>
+            <a:r>
+              <a:rPr lang="bg-BG" sz="1900" b="1" dirty="0"/>
+              <a:t>2.2.3. Функция за движение наляво:</a:t>
+            </a:r>
+          </a:p>
+          <a:p>
+            <a:pPr marL="0" indent="0">
+              <a:buNone/>
+            </a:pPr>
+            <a:r>
+              <a:rPr lang="en-US" sz="1800" dirty="0">
+                <a:solidFill>
+                  <a:srgbClr val="B831CF"/>
+                </a:solidFill>
+              </a:rPr>
+              <a:t>void </a:t>
+            </a:r>
+            <a:r>
+              <a:rPr lang="en-US" sz="1800" dirty="0"/>
+              <a:t>Move_LEFT(</a:t>
+            </a:r>
+            <a:r>
+              <a:rPr lang="en-US" sz="1800" dirty="0">
+                <a:solidFill>
+                  <a:srgbClr val="B831CF"/>
+                </a:solidFill>
+              </a:rPr>
+              <a:t>void</a:t>
+            </a:r>
+            <a:r>
+              <a:rPr lang="en-US" sz="1800" dirty="0"/>
+              <a:t>)</a:t>
+            </a:r>
+          </a:p>
+          <a:p>
+            <a:pPr marL="0" indent="0">
+              <a:buNone/>
+            </a:pPr>
+            <a:r>
+              <a:rPr lang="en-US" sz="1800" dirty="0"/>
+              <a:t>{</a:t>
+            </a:r>
+          </a:p>
+          <a:p>
+            <a:pPr marL="0" indent="0">
+              <a:buNone/>
+            </a:pPr>
+            <a:r>
+              <a:rPr lang="en-US" sz="1800" dirty="0"/>
+              <a:t>	HAL_GPIO_WritePin(GPIOA, GPIO_PIN_6, Off);</a:t>
+            </a:r>
+          </a:p>
+          <a:p>
+            <a:pPr marL="0" indent="0">
+              <a:buNone/>
+            </a:pPr>
+            <a:r>
+              <a:rPr lang="en-US" sz="1800" dirty="0"/>
+              <a:t>	HAL_GPIO_WritePin(GPIOA, GPIO_PIN_7, On);</a:t>
+            </a:r>
+          </a:p>
+          <a:p>
+            <a:pPr marL="0" indent="0">
+              <a:buNone/>
+            </a:pPr>
+            <a:r>
+              <a:rPr lang="en-US" sz="1800" dirty="0"/>
+              <a:t>	HAL_GPIO_WritePin(GPIOB, GPIO_PIN_5, On);</a:t>
+            </a:r>
+          </a:p>
+          <a:p>
+            <a:pPr marL="0" indent="0">
+              <a:buNone/>
+            </a:pPr>
+            <a:r>
+              <a:rPr lang="en-US" sz="1800" dirty="0"/>
+              <a:t>	HAL_GPIO_WritePin(GPIOB, GPIO_PIN_9, On);</a:t>
+            </a:r>
+          </a:p>
+          <a:p>
+            <a:pPr marL="0" indent="0">
+              <a:buNone/>
+            </a:pPr>
+            <a:r>
+              <a:rPr lang="en-US" sz="1800" dirty="0"/>
+              <a:t>	HAL_GPIO_WritePin(GPIOC, GPIO_PIN_14, Off);</a:t>
+            </a:r>
+          </a:p>
+          <a:p>
+            <a:pPr marL="0" indent="0">
+              <a:buNone/>
+            </a:pPr>
+            <a:r>
+              <a:rPr lang="en-US" sz="1800" dirty="0"/>
+              <a:t>	HAL_GPIO_WritePin(GPIOC, GPIO_PIN_15, On);</a:t>
+            </a:r>
+          </a:p>
+          <a:p>
+            <a:pPr marL="0" indent="0">
+              <a:buNone/>
+            </a:pPr>
+            <a:r>
+              <a:rPr lang="en-US" sz="1800" dirty="0"/>
+              <a:t>} </a:t>
+            </a:r>
+            <a:endParaRPr lang="bg-BG" sz="1800" dirty="0"/>
+          </a:p>
+          <a:p>
+            <a:pPr marL="0" indent="0">
+              <a:spcAft>
+                <a:spcPts val="600"/>
+              </a:spcAft>
+              <a:buNone/>
+            </a:pPr>
+            <a:r>
+              <a:rPr lang="bg-BG" sz="1900" b="1" dirty="0"/>
+              <a:t>2.2.4. Функция за движение надясно:</a:t>
+            </a:r>
+          </a:p>
+          <a:p>
+            <a:pPr marL="0" indent="0">
+              <a:buNone/>
+            </a:pPr>
+            <a:r>
+              <a:rPr lang="en-US" sz="1800" dirty="0">
+                <a:solidFill>
+                  <a:srgbClr val="B831CF"/>
+                </a:solidFill>
+              </a:rPr>
+              <a:t>void </a:t>
+            </a:r>
+            <a:r>
+              <a:rPr lang="en-US" sz="1800" dirty="0"/>
+              <a:t>Move_RIGHT(</a:t>
+            </a:r>
+            <a:r>
+              <a:rPr lang="en-US" sz="1800" dirty="0">
+                <a:solidFill>
+                  <a:srgbClr val="B831CF"/>
+                </a:solidFill>
+              </a:rPr>
+              <a:t>void</a:t>
+            </a:r>
+            <a:r>
+              <a:rPr lang="en-US" sz="1800" dirty="0"/>
+              <a:t>)</a:t>
+            </a:r>
+          </a:p>
+          <a:p>
+            <a:pPr marL="0" indent="0">
+              <a:buNone/>
+            </a:pPr>
+            <a:r>
+              <a:rPr lang="en-US" sz="1800" dirty="0"/>
+              <a:t>{</a:t>
+            </a:r>
+          </a:p>
+          <a:p>
+            <a:pPr marL="0" indent="0">
+              <a:buNone/>
+            </a:pPr>
+            <a:r>
+              <a:rPr lang="en-US" sz="1800" dirty="0"/>
+              <a:t>	HAL_GPIO_WritePin(GPIOA, GPIO_PIN_7, Off);</a:t>
+            </a:r>
+          </a:p>
+          <a:p>
+            <a:pPr marL="0" indent="0">
+              <a:buNone/>
+            </a:pPr>
+            <a:r>
+              <a:rPr lang="en-US" sz="1800" dirty="0"/>
+              <a:t>	HAL_GPIO_WritePin(GPIOA, GPIO_PIN_6, On);</a:t>
+            </a:r>
+          </a:p>
+          <a:p>
+            <a:pPr marL="0" indent="0">
+              <a:buNone/>
+            </a:pPr>
+            <a:r>
+              <a:rPr lang="en-US" sz="1800" dirty="0"/>
+              <a:t>	HAL_GPIO_WritePin(GPIOB, GPIO_PIN_5, On);</a:t>
+            </a:r>
+          </a:p>
+          <a:p>
+            <a:pPr marL="0" indent="0">
+              <a:buNone/>
+            </a:pPr>
+            <a:r>
+              <a:rPr lang="en-US" sz="1800" dirty="0"/>
+              <a:t>	HAL_GPIO_WritePin(GPIOB, GPIO_PIN_9, On);</a:t>
+            </a:r>
+          </a:p>
+          <a:p>
+            <a:pPr marL="0" indent="0">
+              <a:buNone/>
+            </a:pPr>
+            <a:r>
+              <a:rPr lang="en-US" sz="1800" dirty="0"/>
+              <a:t>	HAL_GPIO_WritePin(GPIOC, GPIO_PIN_14, Off);</a:t>
+            </a:r>
+          </a:p>
+          <a:p>
+            <a:pPr marL="0" indent="0">
+              <a:buNone/>
+            </a:pPr>
+            <a:r>
+              <a:rPr lang="en-US" sz="1800" dirty="0"/>
+              <a:t>	HAL_GPIO_WritePin(GPIOC, GPIO_PIN_15, On);</a:t>
+            </a:r>
+          </a:p>
+          <a:p>
+            <a:pPr marL="0" indent="0">
+              <a:buNone/>
+            </a:pPr>
+            <a:r>
+              <a:rPr lang="en-US" sz="1800" dirty="0"/>
               <a:t>}</a:t>
             </a:r>
+            <a:endParaRPr lang="bg-BG" sz="1800" dirty="0"/>
           </a:p>
         </p:txBody>
       </p:sp>
     </p:spTree>
     <p:extLst>
       <p:ext uri="{BB962C8B-B14F-4D97-AF65-F5344CB8AC3E}">
-        <p14:creationId xmlns:p14="http://schemas.microsoft.com/office/powerpoint/2010/main" val="3512338280"/>
+        <p14:creationId xmlns:p14="http://schemas.microsoft.com/office/powerpoint/2010/main" val="124297948"/>
       </p:ext>
     </p:extLst>
   </p:cSld>
@@ -5534,10 +5817,10 @@
       </p:grpSpPr>
       <p:sp>
         <p:nvSpPr>
-          <p:cNvPr id="4" name="Content Placeholder 2">
-            <a:extLst>
-              <a:ext uri="{FF2B5EF4-FFF2-40B4-BE49-F238E27FC236}">
-                <a16:creationId xmlns:a16="http://schemas.microsoft.com/office/drawing/2014/main" id="{1BF1A16B-7390-EBA3-40BF-D1FA7A75ACD3}"/>
+          <p:cNvPr id="5" name="Content Placeholder 2">
+            <a:extLst>
+              <a:ext uri="{FF2B5EF4-FFF2-40B4-BE49-F238E27FC236}">
+                <a16:creationId xmlns:a16="http://schemas.microsoft.com/office/drawing/2014/main" id="{6D796D7B-2D4B-B357-6566-737CE439F21F}"/>
               </a:ext>
             </a:extLst>
           </p:cNvPr>
@@ -5550,12 +5833,12 @@
         </p:nvSpPr>
         <p:spPr>
           <a:xfrm>
-            <a:off x="297024" y="261259"/>
-            <a:ext cx="11597951" cy="6484774"/>
+            <a:off x="297024" y="261258"/>
+            <a:ext cx="11597951" cy="5046630"/>
           </a:xfrm>
         </p:spPr>
         <p:txBody>
-          <a:bodyPr numCol="2">
+          <a:bodyPr>
             <a:noAutofit/>
           </a:bodyPr>
           <a:lstStyle/>
@@ -5568,16 +5851,15 @@
             </a:pPr>
             <a:r>
               <a:rPr lang="bg-BG" sz="2000" b="1" dirty="0"/>
-              <a:t>2.5. Функции за самоцентриране </a:t>
-            </a:r>
-          </a:p>
-          <a:p>
-            <a:pPr marL="0" indent="0">
-              <a:buNone/>
-            </a:pPr>
-            <a:r>
-              <a:rPr lang="bg-BG" sz="1600" b="1" dirty="0"/>
-              <a:t>2.5.1. Функция за центриране на позицията хоризонтално</a:t>
+              <a:t>2.</a:t>
+            </a:r>
+            <a:r>
+              <a:rPr lang="en-US" sz="2000" b="1" dirty="0"/>
+              <a:t>3</a:t>
+            </a:r>
+            <a:r>
+              <a:rPr lang="bg-BG" sz="2000" b="1" dirty="0"/>
+              <a:t>. Функция за покой:</a:t>
             </a:r>
           </a:p>
           <a:p>
@@ -5594,180 +5876,8 @@
             </a:r>
             <a:r>
               <a:rPr lang="en-US" sz="1500" dirty="0"/>
-              <a:t> CentreGlassLR(</a:t>
-            </a:r>
-            <a:r>
-              <a:rPr lang="en-US" sz="1500" dirty="0">
-                <a:solidFill>
-                  <a:srgbClr val="B831CF"/>
-                </a:solidFill>
-              </a:rPr>
-              <a:t>float</a:t>
-            </a:r>
-            <a:r>
-              <a:rPr lang="en-US" sz="1500" dirty="0"/>
-              <a:t>* valueLR)</a:t>
-            </a:r>
-          </a:p>
-          <a:p>
-            <a:pPr marL="0" indent="0">
-              <a:buNone/>
-            </a:pPr>
-            <a:r>
-              <a:rPr lang="en-US" sz="1500" dirty="0"/>
-              <a:t>{</a:t>
-            </a:r>
-          </a:p>
-          <a:p>
-            <a:pPr marL="0" indent="0">
-              <a:buNone/>
-            </a:pPr>
-            <a:r>
-              <a:rPr lang="en-US" sz="1500" dirty="0"/>
-              <a:t>	MeasureADCLR(valueLR);</a:t>
-            </a:r>
-          </a:p>
-          <a:p>
-            <a:pPr marL="0" indent="0">
-              <a:buNone/>
-            </a:pPr>
-            <a:r>
-              <a:rPr lang="en-US" sz="1500" dirty="0"/>
-              <a:t>	while(*valueLR&gt;(RefrencePositionLeftRight + Hys) || *valueLR&lt;(RefrencePositionLeftRight - Hys))</a:t>
-            </a:r>
-          </a:p>
-          <a:p>
-            <a:pPr marL="0" indent="0">
-              <a:buNone/>
-            </a:pPr>
-            <a:r>
-              <a:rPr lang="en-US" sz="1500" dirty="0"/>
-              <a:t>	{</a:t>
-            </a:r>
-          </a:p>
-          <a:p>
-            <a:pPr marL="0" indent="0">
-              <a:buNone/>
-            </a:pPr>
-            <a:r>
-              <a:rPr lang="en-US" sz="1500" dirty="0"/>
-              <a:t>		if(*valueLR&lt;(RefrencePositionLeftRight))</a:t>
-            </a:r>
-          </a:p>
-          <a:p>
-            <a:pPr marL="0" indent="0">
-              <a:buNone/>
-            </a:pPr>
-            <a:r>
-              <a:rPr lang="en-US" sz="1500" dirty="0"/>
-              <a:t>		{</a:t>
-            </a:r>
-          </a:p>
-          <a:p>
-            <a:pPr marL="0" indent="0">
-              <a:buNone/>
-            </a:pPr>
-            <a:r>
-              <a:rPr lang="en-US" sz="1500" dirty="0"/>
-              <a:t>			Move_RIGHT();</a:t>
-            </a:r>
-          </a:p>
-          <a:p>
-            <a:pPr marL="0" indent="0">
-              <a:buNone/>
-            </a:pPr>
-            <a:r>
-              <a:rPr lang="en-US" sz="1500" dirty="0"/>
-              <a:t>		}</a:t>
-            </a:r>
-          </a:p>
-          <a:p>
-            <a:pPr marL="0" indent="0">
-              <a:buNone/>
-            </a:pPr>
-            <a:r>
-              <a:rPr lang="en-US" sz="1500" dirty="0"/>
-              <a:t>		else</a:t>
-            </a:r>
-          </a:p>
-          <a:p>
-            <a:pPr marL="0" indent="0">
-              <a:buNone/>
-            </a:pPr>
-            <a:r>
-              <a:rPr lang="en-US" sz="1500" dirty="0"/>
-              <a:t>		{</a:t>
-            </a:r>
-          </a:p>
-          <a:p>
-            <a:pPr marL="0" indent="0">
-              <a:buNone/>
-            </a:pPr>
-            <a:r>
-              <a:rPr lang="en-US" sz="1500" dirty="0"/>
-              <a:t>			Move_LEFT();</a:t>
-            </a:r>
-          </a:p>
-          <a:p>
-            <a:pPr marL="0" indent="0">
-              <a:buNone/>
-            </a:pPr>
-            <a:r>
-              <a:rPr lang="en-US" sz="1500" dirty="0"/>
-              <a:t>		}</a:t>
-            </a:r>
-          </a:p>
-          <a:p>
-            <a:pPr marL="0" indent="0">
-              <a:buNone/>
-            </a:pPr>
-            <a:r>
-              <a:rPr lang="en-US" sz="1500" dirty="0"/>
-              <a:t>			MeasureADCLR(valueLR);</a:t>
-            </a:r>
-          </a:p>
-          <a:p>
-            <a:pPr marL="0" indent="0">
-              <a:buNone/>
-            </a:pPr>
-            <a:r>
-              <a:rPr lang="en-US" sz="1500" dirty="0"/>
-              <a:t>	}</a:t>
-            </a:r>
-          </a:p>
-          <a:p>
-            <a:pPr marL="0" indent="0">
-              <a:buNone/>
-            </a:pPr>
-            <a:r>
-              <a:rPr lang="en-US" sz="1500" dirty="0"/>
-              <a:t>}</a:t>
-            </a:r>
-            <a:endParaRPr lang="bg-BG" sz="2000" b="1" dirty="0"/>
-          </a:p>
-          <a:p>
-            <a:pPr marL="0" indent="0">
-              <a:spcAft>
-                <a:spcPts val="600"/>
-              </a:spcAft>
-              <a:buNone/>
-            </a:pPr>
-            <a:endParaRPr lang="bg-BG" sz="2000" b="1" dirty="0"/>
-          </a:p>
-          <a:p>
-            <a:pPr marL="0" indent="0">
-              <a:buNone/>
-            </a:pPr>
-            <a:r>
-              <a:rPr lang="bg-BG" sz="1600" b="1" dirty="0"/>
-              <a:t>2.5.2. Функция за центриране на позицията вертикално</a:t>
-            </a:r>
-            <a:endParaRPr lang="en-US" sz="1600" dirty="0"/>
-          </a:p>
-          <a:p>
-            <a:pPr marL="0" indent="0">
-              <a:buNone/>
-            </a:pPr>
+              <a:t> DONT_MOVE(</a:t>
+            </a:r>
             <a:r>
               <a:rPr lang="en-US" sz="1500" dirty="0">
                 <a:solidFill>
@@ -5778,19 +5888,7 @@
             </a:r>
             <a:r>
               <a:rPr lang="en-US" sz="1500" dirty="0"/>
-              <a:t> CentreGlassUD(</a:t>
-            </a:r>
-            <a:r>
-              <a:rPr lang="en-US" sz="1500" dirty="0">
-                <a:solidFill>
-                  <a:srgbClr val="B831CF"/>
-                </a:solidFill>
-              </a:rPr>
-              <a:t>float</a:t>
-            </a:r>
-            <a:r>
-              <a:rPr lang="en-US" sz="1500" dirty="0"/>
-              <a:t>* valueUD)</a:t>
+              <a:t>)</a:t>
             </a:r>
           </a:p>
           <a:p>
@@ -5808,7 +5906,7 @@
             </a:pPr>
             <a:r>
               <a:rPr lang="en-US" sz="1500" dirty="0"/>
-              <a:t>	MeasureADCUD(valueUD);</a:t>
+              <a:t>	HAL_GPIO_WritePin(GPIOB, GPIO_PIN_5, On);</a:t>
             </a:r>
           </a:p>
           <a:p>
@@ -5817,7 +5915,7 @@
             </a:pPr>
             <a:r>
               <a:rPr lang="en-US" sz="1500" dirty="0"/>
-              <a:t>	while(*valueUD&gt;(RefrencePositionUpDown + Hys) || *valueUD&lt;(RefrencePositionUpDown - Hys))</a:t>
+              <a:t>	HAL_GPIO_WritePin(GPIOB, GPIO_PIN_9, On);</a:t>
             </a:r>
           </a:p>
           <a:p>
@@ -5826,7 +5924,7 @@
             </a:pPr>
             <a:r>
               <a:rPr lang="en-US" sz="1500" dirty="0"/>
-              <a:t>	{</a:t>
+              <a:t>	HAL_GPIO_WritePin(GPIOA, GPIO_PIN_6, On);</a:t>
             </a:r>
           </a:p>
           <a:p>
@@ -5835,88 +5933,7 @@
             </a:pPr>
             <a:r>
               <a:rPr lang="en-US" sz="1500" dirty="0"/>
-              <a:t>		if(*valueUD&lt;(RefrencePositionUpDown))</a:t>
-            </a:r>
-          </a:p>
-          <a:p>
-            <a:pPr marL="0" indent="0">
-              <a:buNone/>
-            </a:pPr>
-            <a:r>
-              <a:rPr lang="en-US" sz="1500" dirty="0"/>
-              <a:t>		{</a:t>
-            </a:r>
-          </a:p>
-          <a:p>
-            <a:pPr marL="0" indent="0">
-              <a:buNone/>
-            </a:pPr>
-            <a:r>
-              <a:rPr lang="en-US" sz="1500" dirty="0"/>
-              <a:t>			Move_UP();</a:t>
-            </a:r>
-          </a:p>
-          <a:p>
-            <a:pPr marL="0" indent="0">
-              <a:buNone/>
-            </a:pPr>
-            <a:r>
-              <a:rPr lang="en-US" sz="1500" dirty="0"/>
-              <a:t>		}</a:t>
-            </a:r>
-          </a:p>
-          <a:p>
-            <a:pPr marL="0" indent="0">
-              <a:buNone/>
-            </a:pPr>
-            <a:r>
-              <a:rPr lang="en-US" sz="1500" dirty="0"/>
-              <a:t>		else</a:t>
-            </a:r>
-          </a:p>
-          <a:p>
-            <a:pPr marL="0" indent="0">
-              <a:buNone/>
-            </a:pPr>
-            <a:r>
-              <a:rPr lang="en-US" sz="1500" dirty="0"/>
-              <a:t>		{</a:t>
-            </a:r>
-          </a:p>
-          <a:p>
-            <a:pPr marL="0" indent="0">
-              <a:buNone/>
-            </a:pPr>
-            <a:r>
-              <a:rPr lang="en-US" sz="1500" dirty="0"/>
-              <a:t>			Move_DOWN();</a:t>
-            </a:r>
-          </a:p>
-          <a:p>
-            <a:pPr marL="0" indent="0">
-              <a:buNone/>
-            </a:pPr>
-            <a:r>
-              <a:rPr lang="en-US" sz="1500" dirty="0"/>
-              <a:t>		}</a:t>
-            </a:r>
-          </a:p>
-          <a:p>
-            <a:pPr marL="0" indent="0">
-              <a:buNone/>
-            </a:pPr>
-            <a:r>
-              <a:rPr lang="en-US" sz="1500" dirty="0"/>
-              <a:t>		MeasureADCUD(valueUD);</a:t>
-            </a:r>
-          </a:p>
-          <a:p>
-            <a:pPr marL="0" indent="0">
-              <a:buNone/>
-            </a:pPr>
-            <a:r>
-              <a:rPr lang="en-US" sz="1500" dirty="0"/>
-              <a:t>	}</a:t>
+              <a:t>	HAL_GPIO_WritePin(GPIOA, GPIO_PIN_7, On);</a:t>
             </a:r>
           </a:p>
           <a:p>
@@ -5933,7 +5950,7 @@
     </p:spTree>
     <p:extLst>
       <p:ext uri="{BB962C8B-B14F-4D97-AF65-F5344CB8AC3E}">
-        <p14:creationId xmlns:p14="http://schemas.microsoft.com/office/powerpoint/2010/main" val="457298265"/>
+        <p14:creationId xmlns:p14="http://schemas.microsoft.com/office/powerpoint/2010/main" val="393775202"/>
       </p:ext>
     </p:extLst>
   </p:cSld>
@@ -5965,7 +5982,7 @@
           <p:cNvPr id="4" name="Content Placeholder 2">
             <a:extLst>
               <a:ext uri="{FF2B5EF4-FFF2-40B4-BE49-F238E27FC236}">
-                <a16:creationId xmlns:a16="http://schemas.microsoft.com/office/drawing/2014/main" id="{D1DA66B4-BCA2-E142-A63C-271D7D32BD02}"/>
+                <a16:creationId xmlns:a16="http://schemas.microsoft.com/office/drawing/2014/main" id="{5D90AECE-DD02-1C46-029A-96EA96F7E242}"/>
               </a:ext>
             </a:extLst>
           </p:cNvPr>
@@ -5978,12 +5995,12 @@
         </p:nvSpPr>
         <p:spPr>
           <a:xfrm>
-            <a:off x="297024" y="261258"/>
-            <a:ext cx="11597951" cy="5046630"/>
+            <a:off x="297024" y="261259"/>
+            <a:ext cx="11597951" cy="6232848"/>
           </a:xfrm>
         </p:spPr>
         <p:txBody>
-          <a:bodyPr>
+          <a:bodyPr numCol="2">
             <a:noAutofit/>
           </a:bodyPr>
           <a:lstStyle/>
@@ -5996,8 +6013,175 @@
             </a:pPr>
             <a:r>
               <a:rPr lang="bg-BG" sz="2000" b="1" dirty="0"/>
-              <a:t>2.6. Главна функия:</a:t>
-            </a:r>
+              <a:t>2.</a:t>
+            </a:r>
+            <a:r>
+              <a:rPr lang="en-US" sz="2000" b="1" dirty="0"/>
+              <a:t>4</a:t>
+            </a:r>
+            <a:r>
+              <a:rPr lang="bg-BG" sz="2000" b="1" dirty="0"/>
+              <a:t>. Функции за измерване на позицията </a:t>
+            </a:r>
+          </a:p>
+          <a:p>
+            <a:pPr marL="0" indent="0">
+              <a:buNone/>
+            </a:pPr>
+            <a:r>
+              <a:rPr lang="bg-BG" sz="1600" b="1" dirty="0"/>
+              <a:t>2.4.1. Функция за измерване на позицията хоризонтално</a:t>
+            </a:r>
+          </a:p>
+          <a:p>
+            <a:pPr marL="0" indent="0">
+              <a:buNone/>
+            </a:pPr>
+            <a:r>
+              <a:rPr lang="en-US" sz="1500" dirty="0">
+                <a:solidFill>
+                  <a:srgbClr val="B831CF"/>
+                </a:solidFill>
+              </a:rPr>
+              <a:t>void</a:t>
+            </a:r>
+            <a:r>
+              <a:rPr lang="en-US" sz="1500" dirty="0"/>
+              <a:t> MeasureADCLR(</a:t>
+            </a:r>
+            <a:r>
+              <a:rPr lang="en-US" sz="1500" dirty="0">
+                <a:solidFill>
+                  <a:srgbClr val="B831CF"/>
+                </a:solidFill>
+              </a:rPr>
+              <a:t>float</a:t>
+            </a:r>
+            <a:r>
+              <a:rPr lang="en-US" sz="1500" dirty="0"/>
+              <a:t>* value)</a:t>
+            </a:r>
+          </a:p>
+          <a:p>
+            <a:pPr marL="0" indent="0">
+              <a:buNone/>
+            </a:pPr>
+            <a:r>
+              <a:rPr lang="en-US" sz="1500" dirty="0"/>
+              <a:t>{</a:t>
+            </a:r>
+          </a:p>
+          <a:p>
+            <a:pPr marL="0" indent="0">
+              <a:buNone/>
+            </a:pPr>
+            <a:r>
+              <a:rPr lang="en-US" sz="1500" dirty="0"/>
+              <a:t>	uint16_t valueraw=0;</a:t>
+            </a:r>
+          </a:p>
+          <a:p>
+            <a:pPr marL="0" indent="0">
+              <a:buNone/>
+            </a:pPr>
+            <a:r>
+              <a:rPr lang="en-US" sz="1500" dirty="0"/>
+              <a:t>	HAL_ADC_Start(&amp;hadc1);</a:t>
+            </a:r>
+          </a:p>
+          <a:p>
+            <a:pPr marL="0" indent="0">
+              <a:buNone/>
+            </a:pPr>
+            <a:r>
+              <a:rPr lang="en-US" sz="1500" dirty="0"/>
+              <a:t>	while(HAL_ADC_PollForConversion(&amp;hadc1, HAL_MAX_DELAY)!= HAL_OK)</a:t>
+            </a:r>
+          </a:p>
+          <a:p>
+            <a:pPr marL="0" indent="0">
+              <a:buNone/>
+            </a:pPr>
+            <a:r>
+              <a:rPr lang="en-US" sz="1500" dirty="0"/>
+              <a:t>	{</a:t>
+            </a:r>
+            <a:r>
+              <a:rPr lang="bg-BG" sz="1500" dirty="0"/>
+              <a:t> </a:t>
+            </a:r>
+            <a:r>
+              <a:rPr lang="en-US" sz="1500" dirty="0"/>
+              <a:t>}</a:t>
+            </a:r>
+          </a:p>
+          <a:p>
+            <a:pPr marL="0" indent="0">
+              <a:buNone/>
+            </a:pPr>
+            <a:r>
+              <a:rPr lang="en-US" sz="1500" dirty="0"/>
+              <a:t>	valueraw=HAL_ADC_GetValue(&amp;hadc1);</a:t>
+            </a:r>
+          </a:p>
+          <a:p>
+            <a:pPr marL="0" indent="0">
+              <a:buNone/>
+            </a:pPr>
+            <a:r>
+              <a:rPr lang="en-US" sz="1500" dirty="0"/>
+              <a:t>	*value=__HAL_ADC_CALC_DATA_TO_VOLTAGE(VREF_ADC,</a:t>
+            </a:r>
+            <a:endParaRPr lang="bg-BG" sz="1500" dirty="0"/>
+          </a:p>
+          <a:p>
+            <a:pPr marL="0" indent="0">
+              <a:buNone/>
+            </a:pPr>
+            <a:r>
+              <a:rPr lang="en-US" sz="1500" dirty="0"/>
+              <a:t>valueraw,ADC_RESOLUTION_12B);</a:t>
+            </a:r>
+          </a:p>
+          <a:p>
+            <a:pPr marL="0" indent="0">
+              <a:buNone/>
+            </a:pPr>
+            <a:r>
+              <a:rPr lang="en-US" sz="1500" dirty="0"/>
+              <a:t>}</a:t>
+            </a:r>
+            <a:endParaRPr lang="bg-BG" sz="1500" dirty="0"/>
+          </a:p>
+          <a:p>
+            <a:pPr marL="0" indent="0">
+              <a:buNone/>
+            </a:pPr>
+            <a:endParaRPr lang="bg-BG" sz="1600" b="1" dirty="0"/>
+          </a:p>
+          <a:p>
+            <a:pPr marL="0" indent="0">
+              <a:buNone/>
+            </a:pPr>
+            <a:endParaRPr lang="bg-BG" sz="1600" b="1" dirty="0"/>
+          </a:p>
+          <a:p>
+            <a:pPr marL="0" indent="0">
+              <a:buNone/>
+            </a:pPr>
+            <a:endParaRPr lang="bg-BG" sz="1600" b="1" dirty="0"/>
+          </a:p>
+          <a:p>
+            <a:pPr marL="0" indent="0">
+              <a:buNone/>
+            </a:pPr>
+            <a:endParaRPr lang="bg-BG" sz="1600" b="1" dirty="0"/>
+          </a:p>
+          <a:p>
+            <a:pPr marL="0" indent="0">
+              <a:buNone/>
+            </a:pPr>
+            <a:endParaRPr lang="bg-BG" sz="1600" b="1" dirty="0"/>
           </a:p>
           <a:p>
             <a:pPr marL="0" indent="0">
@@ -6006,52 +6190,143 @@
               </a:spcAft>
               <a:buNone/>
             </a:pPr>
-            <a:r>
-              <a:rPr lang="bg-BG" sz="2000" b="1" dirty="0">
-                <a:hlinkClick r:id="rId2" action="ppaction://hlinkfile"/>
+            <a:endParaRPr lang="bg-BG" sz="2000" b="1" dirty="0"/>
+          </a:p>
+          <a:p>
+            <a:pPr marL="0" indent="0">
+              <a:buNone/>
+            </a:pPr>
+            <a:r>
+              <a:rPr lang="bg-BG" sz="1600" b="1" dirty="0"/>
+              <a:t>2.4.2. Функция за измерване на позицията вертикално</a:t>
+            </a:r>
+            <a:endParaRPr lang="en-US" sz="1600" dirty="0"/>
+          </a:p>
+          <a:p>
+            <a:pPr marL="0" indent="0">
+              <a:buNone/>
+            </a:pPr>
+            <a:r>
+              <a:rPr lang="en-US" sz="1500" dirty="0">
+                <a:solidFill>
+                  <a:srgbClr val="B831CF"/>
+                </a:solidFill>
               </a:rPr>
-              <a:t>Код огледало</a:t>
-            </a:r>
-            <a:endParaRPr lang="bg-BG" sz="2000" b="1" dirty="0"/>
-          </a:p>
-          <a:p>
-            <a:pPr marL="0" indent="0">
-              <a:spcAft>
-                <a:spcPts val="600"/>
-              </a:spcAft>
-              <a:buNone/>
-            </a:pPr>
-            <a:r>
-              <a:rPr lang="bg-BG" sz="4400" dirty="0">
-                <a:latin typeface="Calibri Light (Headings)"/>
+              <a:t>void</a:t>
+            </a:r>
+            <a:r>
+              <a:rPr lang="en-US" sz="1500" dirty="0"/>
+              <a:t> MeasureADCUD(</a:t>
+            </a:r>
+            <a:r>
+              <a:rPr lang="en-US" sz="1500" dirty="0">
+                <a:solidFill>
+                  <a:srgbClr val="B831CF"/>
+                </a:solidFill>
               </a:rPr>
-              <a:t>3. Тест.</a:t>
-            </a:r>
-            <a:endParaRPr lang="bg-BG" sz="4400" b="1" dirty="0">
-              <a:latin typeface="Calibri Light (Headings)"/>
-            </a:endParaRPr>
-          </a:p>
-          <a:p>
-            <a:pPr marL="0" indent="0">
-              <a:spcAft>
-                <a:spcPts val="600"/>
-              </a:spcAft>
-              <a:buNone/>
-            </a:pPr>
-            <a:r>
-              <a:rPr lang="bg-BG" sz="2000" b="1" dirty="0">
-                <a:hlinkClick r:id="rId3" action="ppaction://hlinkfile"/>
-              </a:rPr>
-              <a:t>Тест на огледалото </a:t>
-            </a:r>
-            <a:endParaRPr lang="bg-BG" sz="2000" b="1" dirty="0"/>
+              <a:t>float</a:t>
+            </a:r>
+            <a:r>
+              <a:rPr lang="en-US" sz="1500" dirty="0"/>
+              <a:t>* value)</a:t>
+            </a:r>
+          </a:p>
+          <a:p>
+            <a:pPr marL="0" indent="0">
+              <a:buNone/>
+            </a:pPr>
+            <a:r>
+              <a:rPr lang="en-US" sz="1500" dirty="0"/>
+              <a:t>{</a:t>
+            </a:r>
+          </a:p>
+          <a:p>
+            <a:pPr marL="0" indent="0">
+              <a:buNone/>
+            </a:pPr>
+            <a:r>
+              <a:rPr lang="en-US" sz="1500" dirty="0"/>
+              <a:t>	uint16_t valueraw=0;</a:t>
+            </a:r>
+          </a:p>
+          <a:p>
+            <a:pPr marL="0" indent="0">
+              <a:buNone/>
+            </a:pPr>
+            <a:r>
+              <a:rPr lang="en-US" sz="1500" dirty="0"/>
+              <a:t>	HAL_ADC_Start(&amp;hadc2);</a:t>
+            </a:r>
+          </a:p>
+          <a:p>
+            <a:pPr marL="0" indent="0">
+              <a:buNone/>
+            </a:pPr>
+            <a:r>
+              <a:rPr lang="en-US" sz="1500" dirty="0"/>
+              <a:t>	while(HAL_ADC_PollForConversion(&amp;hadc2, HAL_MAX_DELAY)!= HAL_OK)</a:t>
+            </a:r>
+          </a:p>
+          <a:p>
+            <a:pPr marL="0" indent="0">
+              <a:buNone/>
+            </a:pPr>
+            <a:r>
+              <a:rPr lang="en-US" sz="1500" dirty="0"/>
+              <a:t>	{</a:t>
+            </a:r>
+            <a:r>
+              <a:rPr lang="bg-BG" sz="1500" dirty="0"/>
+              <a:t> </a:t>
+            </a:r>
+            <a:r>
+              <a:rPr lang="en-US" sz="1500" dirty="0"/>
+              <a:t>}</a:t>
+            </a:r>
+          </a:p>
+          <a:p>
+            <a:pPr marL="0" indent="0">
+              <a:buNone/>
+            </a:pPr>
+            <a:r>
+              <a:rPr lang="en-US" sz="1500" dirty="0"/>
+              <a:t>	valueraw=HAL_ADC_GetValue(&amp;hadc2);</a:t>
+            </a:r>
+          </a:p>
+          <a:p>
+            <a:pPr marL="0" indent="0">
+              <a:buNone/>
+            </a:pPr>
+            <a:r>
+              <a:rPr lang="en-US" sz="1500" dirty="0"/>
+              <a:t>	*value=__HAL_ADC_CALC_DATA_TO_VOLTAGE(VREF_ADC,</a:t>
+            </a:r>
+            <a:endParaRPr lang="bg-BG" sz="1500" dirty="0"/>
+          </a:p>
+          <a:p>
+            <a:pPr marL="0" indent="0">
+              <a:buNone/>
+            </a:pPr>
+            <a:r>
+              <a:rPr lang="en-US" sz="1500" dirty="0"/>
+              <a:t>valueraw,ADC_RESOLUTION_12B);</a:t>
+            </a:r>
+          </a:p>
+          <a:p>
+            <a:pPr marL="0" indent="0">
+              <a:buNone/>
+            </a:pPr>
+            <a:r>
+              <a:rPr lang="en-US" sz="1500" dirty="0"/>
+              <a:t>}</a:t>
+            </a:r>
           </a:p>
         </p:txBody>
       </p:sp>
     </p:spTree>
     <p:extLst>
       <p:ext uri="{BB962C8B-B14F-4D97-AF65-F5344CB8AC3E}">
-        <p14:creationId xmlns:p14="http://schemas.microsoft.com/office/powerpoint/2010/main" val="1840404931"/>
+        <p14:creationId xmlns:p14="http://schemas.microsoft.com/office/powerpoint/2010/main" val="3512338280"/>
       </p:ext>
     </p:extLst>
   </p:cSld>
@@ -6080,10 +6355,10 @@
       </p:grpSpPr>
       <p:sp>
         <p:nvSpPr>
-          <p:cNvPr id="3" name="Content Placeholder 2">
-            <a:extLst>
-              <a:ext uri="{FF2B5EF4-FFF2-40B4-BE49-F238E27FC236}">
-                <a16:creationId xmlns:a16="http://schemas.microsoft.com/office/drawing/2014/main" id="{5E8295FC-7A84-572A-35DB-3F6B350ADC78}"/>
+          <p:cNvPr id="4" name="Content Placeholder 2">
+            <a:extLst>
+              <a:ext uri="{FF2B5EF4-FFF2-40B4-BE49-F238E27FC236}">
+                <a16:creationId xmlns:a16="http://schemas.microsoft.com/office/drawing/2014/main" id="{1BF1A16B-7390-EBA3-40BF-D1FA7A75ACD3}"/>
               </a:ext>
             </a:extLst>
           </p:cNvPr>
@@ -6096,36 +6371,390 @@
         </p:nvSpPr>
         <p:spPr>
           <a:xfrm>
-            <a:off x="838200" y="2432115"/>
-            <a:ext cx="10515600" cy="4351338"/>
+            <a:off x="297024" y="261259"/>
+            <a:ext cx="11597951" cy="6484774"/>
           </a:xfrm>
         </p:spPr>
         <p:txBody>
-          <a:bodyPr>
-            <a:normAutofit/>
+          <a:bodyPr numCol="2">
+            <a:noAutofit/>
           </a:bodyPr>
           <a:lstStyle/>
           <a:p>
-            <a:pPr marL="0" indent="0" algn="ctr">
-              <a:buNone/>
-            </a:pPr>
-            <a:r>
-              <a:rPr lang="bg-BG" sz="5400" dirty="0"/>
-              <a:t>Благодаря за вниманието!!!</a:t>
-            </a:r>
-          </a:p>
-          <a:p>
-            <a:pPr marL="0" indent="0" algn="ctr">
-              <a:buNone/>
-            </a:pPr>
-            <a:endParaRPr lang="en-US" sz="5400" dirty="0"/>
+            <a:pPr marL="0" indent="0">
+              <a:spcAft>
+                <a:spcPts val="600"/>
+              </a:spcAft>
+              <a:buNone/>
+            </a:pPr>
+            <a:r>
+              <a:rPr lang="bg-BG" sz="2000" b="1" dirty="0"/>
+              <a:t>2.5. Функции за самоцентриране </a:t>
+            </a:r>
+          </a:p>
+          <a:p>
+            <a:pPr marL="0" indent="0">
+              <a:buNone/>
+            </a:pPr>
+            <a:r>
+              <a:rPr lang="bg-BG" sz="1600" b="1" dirty="0"/>
+              <a:t>2.5.1. Функция за центриране на позицията хоризонтално</a:t>
+            </a:r>
+          </a:p>
+          <a:p>
+            <a:pPr marL="0" indent="0">
+              <a:buNone/>
+            </a:pPr>
+            <a:r>
+              <a:rPr lang="en-US" sz="1500" dirty="0">
+                <a:solidFill>
+                  <a:srgbClr val="B831CF"/>
+                </a:solidFill>
+              </a:rPr>
+              <a:t>void</a:t>
+            </a:r>
+            <a:r>
+              <a:rPr lang="en-US" sz="1500" dirty="0"/>
+              <a:t> CentreGlassLR(</a:t>
+            </a:r>
+            <a:r>
+              <a:rPr lang="en-US" sz="1500" dirty="0">
+                <a:solidFill>
+                  <a:srgbClr val="B831CF"/>
+                </a:solidFill>
+              </a:rPr>
+              <a:t>float</a:t>
+            </a:r>
+            <a:r>
+              <a:rPr lang="en-US" sz="1500" dirty="0"/>
+              <a:t>* valueLR)</a:t>
+            </a:r>
+          </a:p>
+          <a:p>
+            <a:pPr marL="0" indent="0">
+              <a:buNone/>
+            </a:pPr>
+            <a:r>
+              <a:rPr lang="en-US" sz="1500" dirty="0"/>
+              <a:t>{</a:t>
+            </a:r>
+          </a:p>
+          <a:p>
+            <a:pPr marL="0" indent="0">
+              <a:buNone/>
+            </a:pPr>
+            <a:r>
+              <a:rPr lang="en-US" sz="1500" dirty="0"/>
+              <a:t>	MeasureADCLR(valueLR);</a:t>
+            </a:r>
+          </a:p>
+          <a:p>
+            <a:pPr marL="0" indent="0">
+              <a:buNone/>
+            </a:pPr>
+            <a:r>
+              <a:rPr lang="en-US" sz="1500" dirty="0"/>
+              <a:t>	while(*valueLR&gt;(RefrencePositionLeftRight + Hys) || *valueLR&lt;(RefrencePositionLeftRight - Hys))</a:t>
+            </a:r>
+          </a:p>
+          <a:p>
+            <a:pPr marL="0" indent="0">
+              <a:buNone/>
+            </a:pPr>
+            <a:r>
+              <a:rPr lang="en-US" sz="1500" dirty="0"/>
+              <a:t>	{</a:t>
+            </a:r>
+          </a:p>
+          <a:p>
+            <a:pPr marL="0" indent="0">
+              <a:buNone/>
+            </a:pPr>
+            <a:r>
+              <a:rPr lang="en-US" sz="1500" dirty="0"/>
+              <a:t>		if(*valueLR&lt;(RefrencePositionLeftRight))</a:t>
+            </a:r>
+          </a:p>
+          <a:p>
+            <a:pPr marL="0" indent="0">
+              <a:buNone/>
+            </a:pPr>
+            <a:r>
+              <a:rPr lang="en-US" sz="1500" dirty="0"/>
+              <a:t>		{</a:t>
+            </a:r>
+          </a:p>
+          <a:p>
+            <a:pPr marL="0" indent="0">
+              <a:buNone/>
+            </a:pPr>
+            <a:r>
+              <a:rPr lang="en-US" sz="1500" dirty="0"/>
+              <a:t>			Move_RIGHT();</a:t>
+            </a:r>
+          </a:p>
+          <a:p>
+            <a:pPr marL="0" indent="0">
+              <a:buNone/>
+            </a:pPr>
+            <a:r>
+              <a:rPr lang="en-US" sz="1500" dirty="0"/>
+              <a:t>		}</a:t>
+            </a:r>
+          </a:p>
+          <a:p>
+            <a:pPr marL="0" indent="0">
+              <a:buNone/>
+            </a:pPr>
+            <a:r>
+              <a:rPr lang="en-US" sz="1500" dirty="0"/>
+              <a:t>		else</a:t>
+            </a:r>
+          </a:p>
+          <a:p>
+            <a:pPr marL="0" indent="0">
+              <a:buNone/>
+            </a:pPr>
+            <a:r>
+              <a:rPr lang="en-US" sz="1500" dirty="0"/>
+              <a:t>		{</a:t>
+            </a:r>
+          </a:p>
+          <a:p>
+            <a:pPr marL="0" indent="0">
+              <a:buNone/>
+            </a:pPr>
+            <a:r>
+              <a:rPr lang="en-US" sz="1500" dirty="0"/>
+              <a:t>			Move_LEFT();</a:t>
+            </a:r>
+          </a:p>
+          <a:p>
+            <a:pPr marL="0" indent="0">
+              <a:buNone/>
+            </a:pPr>
+            <a:r>
+              <a:rPr lang="en-US" sz="1500" dirty="0"/>
+              <a:t>		}</a:t>
+            </a:r>
+          </a:p>
+          <a:p>
+            <a:pPr marL="0" indent="0">
+              <a:buNone/>
+            </a:pPr>
+            <a:r>
+              <a:rPr lang="en-US" sz="1500" dirty="0"/>
+              <a:t>			MeasureADCLR(valueLR);</a:t>
+            </a:r>
+          </a:p>
+          <a:p>
+            <a:pPr marL="0" indent="0">
+              <a:buNone/>
+            </a:pPr>
+            <a:r>
+              <a:rPr lang="en-US" sz="1500" dirty="0"/>
+              <a:t>	}</a:t>
+            </a:r>
+          </a:p>
+          <a:p>
+            <a:pPr marL="0" indent="0">
+              <a:buNone/>
+            </a:pPr>
+            <a:r>
+              <a:rPr lang="en-US" sz="1500" dirty="0"/>
+              <a:t>}</a:t>
+            </a:r>
+            <a:endParaRPr lang="bg-BG" sz="2000" b="1" dirty="0"/>
+          </a:p>
+          <a:p>
+            <a:pPr marL="0" indent="0">
+              <a:spcAft>
+                <a:spcPts val="600"/>
+              </a:spcAft>
+              <a:buNone/>
+            </a:pPr>
+            <a:endParaRPr lang="bg-BG" sz="2000" b="1" dirty="0"/>
+          </a:p>
+          <a:p>
+            <a:pPr marL="0" indent="0">
+              <a:buNone/>
+            </a:pPr>
+            <a:r>
+              <a:rPr lang="bg-BG" sz="1600" b="1" dirty="0"/>
+              <a:t>2.5.2. Функция за центриране на позицията вертикално</a:t>
+            </a:r>
+            <a:endParaRPr lang="en-US" sz="1600" dirty="0"/>
+          </a:p>
+          <a:p>
+            <a:pPr marL="0" indent="0">
+              <a:buNone/>
+            </a:pPr>
+            <a:r>
+              <a:rPr lang="en-US" sz="1500" dirty="0">
+                <a:solidFill>
+                  <a:srgbClr val="B831CF"/>
+                </a:solidFill>
+              </a:rPr>
+              <a:t>void</a:t>
+            </a:r>
+            <a:r>
+              <a:rPr lang="en-US" sz="1500" dirty="0"/>
+              <a:t> CentreGlassUD(</a:t>
+            </a:r>
+            <a:r>
+              <a:rPr lang="en-US" sz="1500" dirty="0">
+                <a:solidFill>
+                  <a:srgbClr val="B831CF"/>
+                </a:solidFill>
+              </a:rPr>
+              <a:t>float</a:t>
+            </a:r>
+            <a:r>
+              <a:rPr lang="en-US" sz="1500" dirty="0"/>
+              <a:t>* valueUD)</a:t>
+            </a:r>
+          </a:p>
+          <a:p>
+            <a:pPr marL="0" indent="0">
+              <a:buNone/>
+            </a:pPr>
+            <a:r>
+              <a:rPr lang="en-US" sz="1500" dirty="0"/>
+              <a:t>{</a:t>
+            </a:r>
+          </a:p>
+          <a:p>
+            <a:pPr marL="0" indent="0">
+              <a:buNone/>
+            </a:pPr>
+            <a:r>
+              <a:rPr lang="en-US" sz="1500" dirty="0"/>
+              <a:t>	MeasureADCUD(valueUD);</a:t>
+            </a:r>
+          </a:p>
+          <a:p>
+            <a:pPr marL="0" indent="0">
+              <a:buNone/>
+            </a:pPr>
+            <a:r>
+              <a:rPr lang="en-US" sz="1500" dirty="0"/>
+              <a:t>	while(*valueUD&gt;(RefrencePositionUpDown + Hys) || *valueUD&lt;(RefrencePositionUpDown - Hys))</a:t>
+            </a:r>
+          </a:p>
+          <a:p>
+            <a:pPr marL="0" indent="0">
+              <a:buNone/>
+            </a:pPr>
+            <a:r>
+              <a:rPr lang="en-US" sz="1500" dirty="0"/>
+              <a:t>	{</a:t>
+            </a:r>
+          </a:p>
+          <a:p>
+            <a:pPr marL="0" indent="0">
+              <a:buNone/>
+            </a:pPr>
+            <a:r>
+              <a:rPr lang="en-US" sz="1500" dirty="0"/>
+              <a:t>		if(*valueUD&lt;(RefrencePositionUpDown))</a:t>
+            </a:r>
+          </a:p>
+          <a:p>
+            <a:pPr marL="0" indent="0">
+              <a:buNone/>
+            </a:pPr>
+            <a:r>
+              <a:rPr lang="en-US" sz="1500" dirty="0"/>
+              <a:t>		{</a:t>
+            </a:r>
+          </a:p>
+          <a:p>
+            <a:pPr marL="0" indent="0">
+              <a:buNone/>
+            </a:pPr>
+            <a:r>
+              <a:rPr lang="en-US" sz="1500" dirty="0"/>
+              <a:t>			Move_UP();</a:t>
+            </a:r>
+          </a:p>
+          <a:p>
+            <a:pPr marL="0" indent="0">
+              <a:buNone/>
+            </a:pPr>
+            <a:r>
+              <a:rPr lang="en-US" sz="1500" dirty="0"/>
+              <a:t>		}</a:t>
+            </a:r>
+          </a:p>
+          <a:p>
+            <a:pPr marL="0" indent="0">
+              <a:buNone/>
+            </a:pPr>
+            <a:r>
+              <a:rPr lang="en-US" sz="1500" dirty="0"/>
+              <a:t>		else</a:t>
+            </a:r>
+          </a:p>
+          <a:p>
+            <a:pPr marL="0" indent="0">
+              <a:buNone/>
+            </a:pPr>
+            <a:r>
+              <a:rPr lang="en-US" sz="1500" dirty="0"/>
+              <a:t>		{</a:t>
+            </a:r>
+          </a:p>
+          <a:p>
+            <a:pPr marL="0" indent="0">
+              <a:buNone/>
+            </a:pPr>
+            <a:r>
+              <a:rPr lang="en-US" sz="1500" dirty="0"/>
+              <a:t>			Move_DOWN();</a:t>
+            </a:r>
+          </a:p>
+          <a:p>
+            <a:pPr marL="0" indent="0">
+              <a:buNone/>
+            </a:pPr>
+            <a:r>
+              <a:rPr lang="en-US" sz="1500" dirty="0"/>
+              <a:t>		}</a:t>
+            </a:r>
+          </a:p>
+          <a:p>
+            <a:pPr marL="0" indent="0">
+              <a:buNone/>
+            </a:pPr>
+            <a:r>
+              <a:rPr lang="en-US" sz="1500" dirty="0"/>
+              <a:t>		MeasureADCUD(valueUD);</a:t>
+            </a:r>
+          </a:p>
+          <a:p>
+            <a:pPr marL="0" indent="0">
+              <a:buNone/>
+            </a:pPr>
+            <a:r>
+              <a:rPr lang="en-US" sz="1500" dirty="0"/>
+              <a:t>	}</a:t>
+            </a:r>
+          </a:p>
+          <a:p>
+            <a:pPr marL="0" indent="0">
+              <a:buNone/>
+            </a:pPr>
+            <a:r>
+              <a:rPr lang="en-US" sz="1500" dirty="0"/>
+              <a:t>}</a:t>
+            </a:r>
           </a:p>
         </p:txBody>
       </p:sp>
     </p:spTree>
     <p:extLst>
       <p:ext uri="{BB962C8B-B14F-4D97-AF65-F5344CB8AC3E}">
-        <p14:creationId xmlns:p14="http://schemas.microsoft.com/office/powerpoint/2010/main" val="3791485214"/>
+        <p14:creationId xmlns:p14="http://schemas.microsoft.com/office/powerpoint/2010/main" val="457298265"/>
       </p:ext>
     </p:extLst>
   </p:cSld>

--- a/ЕМЗ Проект.pptx
+++ b/ЕМЗ Проект.pptx
@@ -3366,7 +3366,7 @@
           <a:p>
             <a:r>
               <a:rPr lang="bg-BG" dirty="0"/>
-              <a:t>Проектиране огледало на автомобил</a:t>
+              <a:t>Проектиране на огледало на автомобил</a:t>
             </a:r>
             <a:endParaRPr lang="en-US" dirty="0"/>
           </a:p>
